--- a/presentation/presentation.pptx
+++ b/presentation/presentation.pptx
@@ -5,7 +5,7 @@
     <p:sldMasterId id="2147483660" r:id="rId1"/>
   </p:sldMasterIdLst>
   <p:notesMasterIdLst>
-    <p:notesMasterId r:id="rId11"/>
+    <p:notesMasterId r:id="rId22"/>
   </p:notesMasterIdLst>
   <p:sldIdLst>
     <p:sldId id="257" r:id="rId2"/>
@@ -17,6 +17,17 @@
     <p:sldId id="267" r:id="rId8"/>
     <p:sldId id="268" r:id="rId9"/>
     <p:sldId id="269" r:id="rId10"/>
+    <p:sldId id="274" r:id="rId11"/>
+    <p:sldId id="273" r:id="rId12"/>
+    <p:sldId id="270" r:id="rId13"/>
+    <p:sldId id="279" r:id="rId14"/>
+    <p:sldId id="271" r:id="rId15"/>
+    <p:sldId id="278" r:id="rId16"/>
+    <p:sldId id="275" r:id="rId17"/>
+    <p:sldId id="276" r:id="rId18"/>
+    <p:sldId id="277" r:id="rId19"/>
+    <p:sldId id="272" r:id="rId20"/>
+    <p:sldId id="280" r:id="rId21"/>
   </p:sldIdLst>
   <p:sldSz cx="12192000" cy="6858000"/>
   <p:notesSz cx="6858000" cy="9144000"/>
@@ -115,6 +126,11 @@
       </a:defRPr>
     </a:lvl9pPr>
   </p:defaultTextStyle>
+  <p:extLst>
+    <p:ext uri="{EFAFB233-063F-42B5-8137-9DF3F51BA10A}">
+      <p15:sldGuideLst xmlns:p15="http://schemas.microsoft.com/office/powerpoint/2012/main"/>
+    </p:ext>
+  </p:extLst>
 </p:presentation>
 </file>
 
@@ -200,7 +216,7 @@
           <a:p>
             <a:fld id="{79244891-3AEA-485C-A046-F4023F1D8B0A}" type="datetimeFigureOut">
               <a:rPr lang="en-DE" smtClean="0"/>
-              <a:t>07/05/2023</a:t>
+              <a:t>05/10/2023</a:t>
             </a:fld>
             <a:endParaRPr lang="en-DE"/>
           </a:p>
@@ -572,6 +588,1096 @@
 </p:notes>
 </file>
 
+<file path=ppt/notesSlides/notesSlide10.xml><?xml version="1.0" encoding="utf-8"?>
+<p:notes xmlns:a="http://schemas.openxmlformats.org/drawingml/2006/main" xmlns:r="http://schemas.openxmlformats.org/officeDocument/2006/relationships" xmlns:p="http://schemas.openxmlformats.org/presentationml/2006/main" showMasterSp="0" showMasterPhAnim="0">
+  <p:cSld>
+    <p:spTree>
+      <p:nvGrpSpPr>
+        <p:cNvPr id="1" name="Shape 61"/>
+        <p:cNvGrpSpPr/>
+        <p:nvPr/>
+      </p:nvGrpSpPr>
+      <p:grpSpPr>
+        <a:xfrm>
+          <a:off x="0" y="0"/>
+          <a:ext cx="0" cy="0"/>
+          <a:chOff x="0" y="0"/>
+          <a:chExt cx="0" cy="0"/>
+        </a:xfrm>
+      </p:grpSpPr>
+      <p:sp>
+        <p:nvSpPr>
+          <p:cNvPr id="62" name="Google Shape;62;g1b220e7a566_0_5:notes"/>
+          <p:cNvSpPr>
+            <a:spLocks noGrp="1" noRot="1" noChangeAspect="1"/>
+          </p:cNvSpPr>
+          <p:nvPr>
+            <p:ph type="sldImg" idx="2"/>
+          </p:nvPr>
+        </p:nvSpPr>
+        <p:spPr>
+          <a:xfrm>
+            <a:off x="381000" y="685800"/>
+            <a:ext cx="6096000" cy="3429000"/>
+          </a:xfrm>
+          <a:custGeom>
+            <a:avLst/>
+            <a:gdLst/>
+            <a:ahLst/>
+            <a:cxnLst/>
+            <a:rect l="l" t="t" r="r" b="b"/>
+            <a:pathLst>
+              <a:path w="120000" h="120000" extrusionOk="0">
+                <a:moveTo>
+                  <a:pt x="0" y="0"/>
+                </a:moveTo>
+                <a:lnTo>
+                  <a:pt x="120000" y="0"/>
+                </a:lnTo>
+                <a:lnTo>
+                  <a:pt x="120000" y="120000"/>
+                </a:lnTo>
+                <a:lnTo>
+                  <a:pt x="0" y="120000"/>
+                </a:lnTo>
+                <a:close/>
+              </a:path>
+            </a:pathLst>
+          </a:custGeom>
+        </p:spPr>
+      </p:sp>
+      <p:sp>
+        <p:nvSpPr>
+          <p:cNvPr id="63" name="Google Shape;63;g1b220e7a566_0_5:notes"/>
+          <p:cNvSpPr txBox="1">
+            <a:spLocks noGrp="1"/>
+          </p:cNvSpPr>
+          <p:nvPr>
+            <p:ph type="body" idx="1"/>
+          </p:nvPr>
+        </p:nvSpPr>
+        <p:spPr>
+          <a:xfrm>
+            <a:off x="685800" y="4343400"/>
+            <a:ext cx="5486400" cy="4114800"/>
+          </a:xfrm>
+          <a:prstGeom prst="rect">
+            <a:avLst/>
+          </a:prstGeom>
+        </p:spPr>
+        <p:txBody>
+          <a:bodyPr spcFirstLastPara="1" wrap="square" lIns="91425" tIns="91425" rIns="91425" bIns="91425" anchor="t" anchorCtr="0">
+            <a:noAutofit/>
+          </a:bodyPr>
+          <a:lstStyle/>
+          <a:p>
+            <a:pPr marL="0" lvl="0" indent="0" algn="l" rtl="0">
+              <a:spcBef>
+                <a:spcPts val="0"/>
+              </a:spcBef>
+              <a:spcAft>
+                <a:spcPts val="0"/>
+              </a:spcAft>
+              <a:buNone/>
+            </a:pPr>
+            <a:endParaRPr/>
+          </a:p>
+        </p:txBody>
+      </p:sp>
+    </p:spTree>
+    <p:extLst>
+      <p:ext uri="{BB962C8B-B14F-4D97-AF65-F5344CB8AC3E}">
+        <p14:creationId xmlns:p14="http://schemas.microsoft.com/office/powerpoint/2010/main" val="2898987124"/>
+      </p:ext>
+    </p:extLst>
+  </p:cSld>
+  <p:clrMapOvr>
+    <a:masterClrMapping/>
+  </p:clrMapOvr>
+</p:notes>
+</file>
+
+<file path=ppt/notesSlides/notesSlide11.xml><?xml version="1.0" encoding="utf-8"?>
+<p:notes xmlns:a="http://schemas.openxmlformats.org/drawingml/2006/main" xmlns:r="http://schemas.openxmlformats.org/officeDocument/2006/relationships" xmlns:p="http://schemas.openxmlformats.org/presentationml/2006/main" showMasterSp="0" showMasterPhAnim="0">
+  <p:cSld>
+    <p:spTree>
+      <p:nvGrpSpPr>
+        <p:cNvPr id="1" name="Shape 61"/>
+        <p:cNvGrpSpPr/>
+        <p:nvPr/>
+      </p:nvGrpSpPr>
+      <p:grpSpPr>
+        <a:xfrm>
+          <a:off x="0" y="0"/>
+          <a:ext cx="0" cy="0"/>
+          <a:chOff x="0" y="0"/>
+          <a:chExt cx="0" cy="0"/>
+        </a:xfrm>
+      </p:grpSpPr>
+      <p:sp>
+        <p:nvSpPr>
+          <p:cNvPr id="62" name="Google Shape;62;g1b220e7a566_0_5:notes"/>
+          <p:cNvSpPr>
+            <a:spLocks noGrp="1" noRot="1" noChangeAspect="1"/>
+          </p:cNvSpPr>
+          <p:nvPr>
+            <p:ph type="sldImg" idx="2"/>
+          </p:nvPr>
+        </p:nvSpPr>
+        <p:spPr>
+          <a:xfrm>
+            <a:off x="381000" y="685800"/>
+            <a:ext cx="6096000" cy="3429000"/>
+          </a:xfrm>
+          <a:custGeom>
+            <a:avLst/>
+            <a:gdLst/>
+            <a:ahLst/>
+            <a:cxnLst/>
+            <a:rect l="l" t="t" r="r" b="b"/>
+            <a:pathLst>
+              <a:path w="120000" h="120000" extrusionOk="0">
+                <a:moveTo>
+                  <a:pt x="0" y="0"/>
+                </a:moveTo>
+                <a:lnTo>
+                  <a:pt x="120000" y="0"/>
+                </a:lnTo>
+                <a:lnTo>
+                  <a:pt x="120000" y="120000"/>
+                </a:lnTo>
+                <a:lnTo>
+                  <a:pt x="0" y="120000"/>
+                </a:lnTo>
+                <a:close/>
+              </a:path>
+            </a:pathLst>
+          </a:custGeom>
+        </p:spPr>
+      </p:sp>
+      <p:sp>
+        <p:nvSpPr>
+          <p:cNvPr id="63" name="Google Shape;63;g1b220e7a566_0_5:notes"/>
+          <p:cNvSpPr txBox="1">
+            <a:spLocks noGrp="1"/>
+          </p:cNvSpPr>
+          <p:nvPr>
+            <p:ph type="body" idx="1"/>
+          </p:nvPr>
+        </p:nvSpPr>
+        <p:spPr>
+          <a:xfrm>
+            <a:off x="685800" y="4343400"/>
+            <a:ext cx="5486400" cy="4114800"/>
+          </a:xfrm>
+          <a:prstGeom prst="rect">
+            <a:avLst/>
+          </a:prstGeom>
+        </p:spPr>
+        <p:txBody>
+          <a:bodyPr spcFirstLastPara="1" wrap="square" lIns="91425" tIns="91425" rIns="91425" bIns="91425" anchor="t" anchorCtr="0">
+            <a:noAutofit/>
+          </a:bodyPr>
+          <a:lstStyle/>
+          <a:p>
+            <a:pPr marL="0" lvl="0" indent="0" algn="l" rtl="0">
+              <a:spcBef>
+                <a:spcPts val="0"/>
+              </a:spcBef>
+              <a:spcAft>
+                <a:spcPts val="0"/>
+              </a:spcAft>
+              <a:buNone/>
+            </a:pPr>
+            <a:endParaRPr/>
+          </a:p>
+        </p:txBody>
+      </p:sp>
+    </p:spTree>
+    <p:extLst>
+      <p:ext uri="{BB962C8B-B14F-4D97-AF65-F5344CB8AC3E}">
+        <p14:creationId xmlns:p14="http://schemas.microsoft.com/office/powerpoint/2010/main" val="1710368927"/>
+      </p:ext>
+    </p:extLst>
+  </p:cSld>
+  <p:clrMapOvr>
+    <a:masterClrMapping/>
+  </p:clrMapOvr>
+</p:notes>
+</file>
+
+<file path=ppt/notesSlides/notesSlide12.xml><?xml version="1.0" encoding="utf-8"?>
+<p:notes xmlns:a="http://schemas.openxmlformats.org/drawingml/2006/main" xmlns:r="http://schemas.openxmlformats.org/officeDocument/2006/relationships" xmlns:p="http://schemas.openxmlformats.org/presentationml/2006/main" showMasterSp="0" showMasterPhAnim="0">
+  <p:cSld>
+    <p:spTree>
+      <p:nvGrpSpPr>
+        <p:cNvPr id="1" name="Shape 61"/>
+        <p:cNvGrpSpPr/>
+        <p:nvPr/>
+      </p:nvGrpSpPr>
+      <p:grpSpPr>
+        <a:xfrm>
+          <a:off x="0" y="0"/>
+          <a:ext cx="0" cy="0"/>
+          <a:chOff x="0" y="0"/>
+          <a:chExt cx="0" cy="0"/>
+        </a:xfrm>
+      </p:grpSpPr>
+      <p:sp>
+        <p:nvSpPr>
+          <p:cNvPr id="62" name="Google Shape;62;g1b220e7a566_0_5:notes"/>
+          <p:cNvSpPr>
+            <a:spLocks noGrp="1" noRot="1" noChangeAspect="1"/>
+          </p:cNvSpPr>
+          <p:nvPr>
+            <p:ph type="sldImg" idx="2"/>
+          </p:nvPr>
+        </p:nvSpPr>
+        <p:spPr>
+          <a:xfrm>
+            <a:off x="381000" y="685800"/>
+            <a:ext cx="6096000" cy="3429000"/>
+          </a:xfrm>
+          <a:custGeom>
+            <a:avLst/>
+            <a:gdLst/>
+            <a:ahLst/>
+            <a:cxnLst/>
+            <a:rect l="l" t="t" r="r" b="b"/>
+            <a:pathLst>
+              <a:path w="120000" h="120000" extrusionOk="0">
+                <a:moveTo>
+                  <a:pt x="0" y="0"/>
+                </a:moveTo>
+                <a:lnTo>
+                  <a:pt x="120000" y="0"/>
+                </a:lnTo>
+                <a:lnTo>
+                  <a:pt x="120000" y="120000"/>
+                </a:lnTo>
+                <a:lnTo>
+                  <a:pt x="0" y="120000"/>
+                </a:lnTo>
+                <a:close/>
+              </a:path>
+            </a:pathLst>
+          </a:custGeom>
+        </p:spPr>
+      </p:sp>
+      <p:sp>
+        <p:nvSpPr>
+          <p:cNvPr id="63" name="Google Shape;63;g1b220e7a566_0_5:notes"/>
+          <p:cNvSpPr txBox="1">
+            <a:spLocks noGrp="1"/>
+          </p:cNvSpPr>
+          <p:nvPr>
+            <p:ph type="body" idx="1"/>
+          </p:nvPr>
+        </p:nvSpPr>
+        <p:spPr>
+          <a:xfrm>
+            <a:off x="685800" y="4343400"/>
+            <a:ext cx="5486400" cy="4114800"/>
+          </a:xfrm>
+          <a:prstGeom prst="rect">
+            <a:avLst/>
+          </a:prstGeom>
+        </p:spPr>
+        <p:txBody>
+          <a:bodyPr spcFirstLastPara="1" wrap="square" lIns="91425" tIns="91425" rIns="91425" bIns="91425" anchor="t" anchorCtr="0">
+            <a:noAutofit/>
+          </a:bodyPr>
+          <a:lstStyle/>
+          <a:p>
+            <a:pPr marL="0" lvl="0" indent="0" algn="l" rtl="0">
+              <a:spcBef>
+                <a:spcPts val="0"/>
+              </a:spcBef>
+              <a:spcAft>
+                <a:spcPts val="0"/>
+              </a:spcAft>
+              <a:buNone/>
+            </a:pPr>
+            <a:endParaRPr/>
+          </a:p>
+        </p:txBody>
+      </p:sp>
+    </p:spTree>
+    <p:extLst>
+      <p:ext uri="{BB962C8B-B14F-4D97-AF65-F5344CB8AC3E}">
+        <p14:creationId xmlns:p14="http://schemas.microsoft.com/office/powerpoint/2010/main" val="791661810"/>
+      </p:ext>
+    </p:extLst>
+  </p:cSld>
+  <p:clrMapOvr>
+    <a:masterClrMapping/>
+  </p:clrMapOvr>
+</p:notes>
+</file>
+
+<file path=ppt/notesSlides/notesSlide13.xml><?xml version="1.0" encoding="utf-8"?>
+<p:notes xmlns:a="http://schemas.openxmlformats.org/drawingml/2006/main" xmlns:r="http://schemas.openxmlformats.org/officeDocument/2006/relationships" xmlns:p="http://schemas.openxmlformats.org/presentationml/2006/main" showMasterSp="0" showMasterPhAnim="0">
+  <p:cSld>
+    <p:spTree>
+      <p:nvGrpSpPr>
+        <p:cNvPr id="1" name="Shape 61"/>
+        <p:cNvGrpSpPr/>
+        <p:nvPr/>
+      </p:nvGrpSpPr>
+      <p:grpSpPr>
+        <a:xfrm>
+          <a:off x="0" y="0"/>
+          <a:ext cx="0" cy="0"/>
+          <a:chOff x="0" y="0"/>
+          <a:chExt cx="0" cy="0"/>
+        </a:xfrm>
+      </p:grpSpPr>
+      <p:sp>
+        <p:nvSpPr>
+          <p:cNvPr id="62" name="Google Shape;62;g1b220e7a566_0_5:notes"/>
+          <p:cNvSpPr>
+            <a:spLocks noGrp="1" noRot="1" noChangeAspect="1"/>
+          </p:cNvSpPr>
+          <p:nvPr>
+            <p:ph type="sldImg" idx="2"/>
+          </p:nvPr>
+        </p:nvSpPr>
+        <p:spPr>
+          <a:xfrm>
+            <a:off x="381000" y="685800"/>
+            <a:ext cx="6096000" cy="3429000"/>
+          </a:xfrm>
+          <a:custGeom>
+            <a:avLst/>
+            <a:gdLst/>
+            <a:ahLst/>
+            <a:cxnLst/>
+            <a:rect l="l" t="t" r="r" b="b"/>
+            <a:pathLst>
+              <a:path w="120000" h="120000" extrusionOk="0">
+                <a:moveTo>
+                  <a:pt x="0" y="0"/>
+                </a:moveTo>
+                <a:lnTo>
+                  <a:pt x="120000" y="0"/>
+                </a:lnTo>
+                <a:lnTo>
+                  <a:pt x="120000" y="120000"/>
+                </a:lnTo>
+                <a:lnTo>
+                  <a:pt x="0" y="120000"/>
+                </a:lnTo>
+                <a:close/>
+              </a:path>
+            </a:pathLst>
+          </a:custGeom>
+        </p:spPr>
+      </p:sp>
+      <p:sp>
+        <p:nvSpPr>
+          <p:cNvPr id="63" name="Google Shape;63;g1b220e7a566_0_5:notes"/>
+          <p:cNvSpPr txBox="1">
+            <a:spLocks noGrp="1"/>
+          </p:cNvSpPr>
+          <p:nvPr>
+            <p:ph type="body" idx="1"/>
+          </p:nvPr>
+        </p:nvSpPr>
+        <p:spPr>
+          <a:xfrm>
+            <a:off x="685800" y="4343400"/>
+            <a:ext cx="5486400" cy="4114800"/>
+          </a:xfrm>
+          <a:prstGeom prst="rect">
+            <a:avLst/>
+          </a:prstGeom>
+        </p:spPr>
+        <p:txBody>
+          <a:bodyPr spcFirstLastPara="1" wrap="square" lIns="91425" tIns="91425" rIns="91425" bIns="91425" anchor="t" anchorCtr="0">
+            <a:noAutofit/>
+          </a:bodyPr>
+          <a:lstStyle/>
+          <a:p>
+            <a:pPr marL="0" lvl="0" indent="0" algn="l" rtl="0">
+              <a:spcBef>
+                <a:spcPts val="0"/>
+              </a:spcBef>
+              <a:spcAft>
+                <a:spcPts val="0"/>
+              </a:spcAft>
+              <a:buNone/>
+            </a:pPr>
+            <a:endParaRPr/>
+          </a:p>
+        </p:txBody>
+      </p:sp>
+    </p:spTree>
+    <p:extLst>
+      <p:ext uri="{BB962C8B-B14F-4D97-AF65-F5344CB8AC3E}">
+        <p14:creationId xmlns:p14="http://schemas.microsoft.com/office/powerpoint/2010/main" val="1351305289"/>
+      </p:ext>
+    </p:extLst>
+  </p:cSld>
+  <p:clrMapOvr>
+    <a:masterClrMapping/>
+  </p:clrMapOvr>
+</p:notes>
+</file>
+
+<file path=ppt/notesSlides/notesSlide14.xml><?xml version="1.0" encoding="utf-8"?>
+<p:notes xmlns:a="http://schemas.openxmlformats.org/drawingml/2006/main" xmlns:r="http://schemas.openxmlformats.org/officeDocument/2006/relationships" xmlns:p="http://schemas.openxmlformats.org/presentationml/2006/main" showMasterSp="0" showMasterPhAnim="0">
+  <p:cSld>
+    <p:spTree>
+      <p:nvGrpSpPr>
+        <p:cNvPr id="1" name="Shape 61"/>
+        <p:cNvGrpSpPr/>
+        <p:nvPr/>
+      </p:nvGrpSpPr>
+      <p:grpSpPr>
+        <a:xfrm>
+          <a:off x="0" y="0"/>
+          <a:ext cx="0" cy="0"/>
+          <a:chOff x="0" y="0"/>
+          <a:chExt cx="0" cy="0"/>
+        </a:xfrm>
+      </p:grpSpPr>
+      <p:sp>
+        <p:nvSpPr>
+          <p:cNvPr id="62" name="Google Shape;62;g1b220e7a566_0_5:notes"/>
+          <p:cNvSpPr>
+            <a:spLocks noGrp="1" noRot="1" noChangeAspect="1"/>
+          </p:cNvSpPr>
+          <p:nvPr>
+            <p:ph type="sldImg" idx="2"/>
+          </p:nvPr>
+        </p:nvSpPr>
+        <p:spPr>
+          <a:xfrm>
+            <a:off x="381000" y="685800"/>
+            <a:ext cx="6096000" cy="3429000"/>
+          </a:xfrm>
+          <a:custGeom>
+            <a:avLst/>
+            <a:gdLst/>
+            <a:ahLst/>
+            <a:cxnLst/>
+            <a:rect l="l" t="t" r="r" b="b"/>
+            <a:pathLst>
+              <a:path w="120000" h="120000" extrusionOk="0">
+                <a:moveTo>
+                  <a:pt x="0" y="0"/>
+                </a:moveTo>
+                <a:lnTo>
+                  <a:pt x="120000" y="0"/>
+                </a:lnTo>
+                <a:lnTo>
+                  <a:pt x="120000" y="120000"/>
+                </a:lnTo>
+                <a:lnTo>
+                  <a:pt x="0" y="120000"/>
+                </a:lnTo>
+                <a:close/>
+              </a:path>
+            </a:pathLst>
+          </a:custGeom>
+        </p:spPr>
+      </p:sp>
+      <p:sp>
+        <p:nvSpPr>
+          <p:cNvPr id="63" name="Google Shape;63;g1b220e7a566_0_5:notes"/>
+          <p:cNvSpPr txBox="1">
+            <a:spLocks noGrp="1"/>
+          </p:cNvSpPr>
+          <p:nvPr>
+            <p:ph type="body" idx="1"/>
+          </p:nvPr>
+        </p:nvSpPr>
+        <p:spPr>
+          <a:xfrm>
+            <a:off x="685800" y="4343400"/>
+            <a:ext cx="5486400" cy="4114800"/>
+          </a:xfrm>
+          <a:prstGeom prst="rect">
+            <a:avLst/>
+          </a:prstGeom>
+        </p:spPr>
+        <p:txBody>
+          <a:bodyPr spcFirstLastPara="1" wrap="square" lIns="91425" tIns="91425" rIns="91425" bIns="91425" anchor="t" anchorCtr="0">
+            <a:noAutofit/>
+          </a:bodyPr>
+          <a:lstStyle/>
+          <a:p>
+            <a:pPr marL="0" lvl="0" indent="0" algn="l" rtl="0">
+              <a:spcBef>
+                <a:spcPts val="0"/>
+              </a:spcBef>
+              <a:spcAft>
+                <a:spcPts val="0"/>
+              </a:spcAft>
+              <a:buNone/>
+            </a:pPr>
+            <a:endParaRPr/>
+          </a:p>
+        </p:txBody>
+      </p:sp>
+    </p:spTree>
+    <p:extLst>
+      <p:ext uri="{BB962C8B-B14F-4D97-AF65-F5344CB8AC3E}">
+        <p14:creationId xmlns:p14="http://schemas.microsoft.com/office/powerpoint/2010/main" val="936317624"/>
+      </p:ext>
+    </p:extLst>
+  </p:cSld>
+  <p:clrMapOvr>
+    <a:masterClrMapping/>
+  </p:clrMapOvr>
+</p:notes>
+</file>
+
+<file path=ppt/notesSlides/notesSlide15.xml><?xml version="1.0" encoding="utf-8"?>
+<p:notes xmlns:a="http://schemas.openxmlformats.org/drawingml/2006/main" xmlns:r="http://schemas.openxmlformats.org/officeDocument/2006/relationships" xmlns:p="http://schemas.openxmlformats.org/presentationml/2006/main" showMasterSp="0" showMasterPhAnim="0">
+  <p:cSld>
+    <p:spTree>
+      <p:nvGrpSpPr>
+        <p:cNvPr id="1" name="Shape 61"/>
+        <p:cNvGrpSpPr/>
+        <p:nvPr/>
+      </p:nvGrpSpPr>
+      <p:grpSpPr>
+        <a:xfrm>
+          <a:off x="0" y="0"/>
+          <a:ext cx="0" cy="0"/>
+          <a:chOff x="0" y="0"/>
+          <a:chExt cx="0" cy="0"/>
+        </a:xfrm>
+      </p:grpSpPr>
+      <p:sp>
+        <p:nvSpPr>
+          <p:cNvPr id="62" name="Google Shape;62;g1b220e7a566_0_5:notes"/>
+          <p:cNvSpPr>
+            <a:spLocks noGrp="1" noRot="1" noChangeAspect="1"/>
+          </p:cNvSpPr>
+          <p:nvPr>
+            <p:ph type="sldImg" idx="2"/>
+          </p:nvPr>
+        </p:nvSpPr>
+        <p:spPr>
+          <a:xfrm>
+            <a:off x="381000" y="685800"/>
+            <a:ext cx="6096000" cy="3429000"/>
+          </a:xfrm>
+          <a:custGeom>
+            <a:avLst/>
+            <a:gdLst/>
+            <a:ahLst/>
+            <a:cxnLst/>
+            <a:rect l="l" t="t" r="r" b="b"/>
+            <a:pathLst>
+              <a:path w="120000" h="120000" extrusionOk="0">
+                <a:moveTo>
+                  <a:pt x="0" y="0"/>
+                </a:moveTo>
+                <a:lnTo>
+                  <a:pt x="120000" y="0"/>
+                </a:lnTo>
+                <a:lnTo>
+                  <a:pt x="120000" y="120000"/>
+                </a:lnTo>
+                <a:lnTo>
+                  <a:pt x="0" y="120000"/>
+                </a:lnTo>
+                <a:close/>
+              </a:path>
+            </a:pathLst>
+          </a:custGeom>
+        </p:spPr>
+      </p:sp>
+      <p:sp>
+        <p:nvSpPr>
+          <p:cNvPr id="63" name="Google Shape;63;g1b220e7a566_0_5:notes"/>
+          <p:cNvSpPr txBox="1">
+            <a:spLocks noGrp="1"/>
+          </p:cNvSpPr>
+          <p:nvPr>
+            <p:ph type="body" idx="1"/>
+          </p:nvPr>
+        </p:nvSpPr>
+        <p:spPr>
+          <a:xfrm>
+            <a:off x="685800" y="4343400"/>
+            <a:ext cx="5486400" cy="4114800"/>
+          </a:xfrm>
+          <a:prstGeom prst="rect">
+            <a:avLst/>
+          </a:prstGeom>
+        </p:spPr>
+        <p:txBody>
+          <a:bodyPr spcFirstLastPara="1" wrap="square" lIns="91425" tIns="91425" rIns="91425" bIns="91425" anchor="t" anchorCtr="0">
+            <a:noAutofit/>
+          </a:bodyPr>
+          <a:lstStyle/>
+          <a:p>
+            <a:pPr marL="0" lvl="0" indent="0" algn="l" rtl="0">
+              <a:spcBef>
+                <a:spcPts val="0"/>
+              </a:spcBef>
+              <a:spcAft>
+                <a:spcPts val="0"/>
+              </a:spcAft>
+              <a:buNone/>
+            </a:pPr>
+            <a:endParaRPr/>
+          </a:p>
+        </p:txBody>
+      </p:sp>
+    </p:spTree>
+    <p:extLst>
+      <p:ext uri="{BB962C8B-B14F-4D97-AF65-F5344CB8AC3E}">
+        <p14:creationId xmlns:p14="http://schemas.microsoft.com/office/powerpoint/2010/main" val="4126458742"/>
+      </p:ext>
+    </p:extLst>
+  </p:cSld>
+  <p:clrMapOvr>
+    <a:masterClrMapping/>
+  </p:clrMapOvr>
+</p:notes>
+</file>
+
+<file path=ppt/notesSlides/notesSlide16.xml><?xml version="1.0" encoding="utf-8"?>
+<p:notes xmlns:a="http://schemas.openxmlformats.org/drawingml/2006/main" xmlns:r="http://schemas.openxmlformats.org/officeDocument/2006/relationships" xmlns:p="http://schemas.openxmlformats.org/presentationml/2006/main" showMasterSp="0" showMasterPhAnim="0">
+  <p:cSld>
+    <p:spTree>
+      <p:nvGrpSpPr>
+        <p:cNvPr id="1" name="Shape 61"/>
+        <p:cNvGrpSpPr/>
+        <p:nvPr/>
+      </p:nvGrpSpPr>
+      <p:grpSpPr>
+        <a:xfrm>
+          <a:off x="0" y="0"/>
+          <a:ext cx="0" cy="0"/>
+          <a:chOff x="0" y="0"/>
+          <a:chExt cx="0" cy="0"/>
+        </a:xfrm>
+      </p:grpSpPr>
+      <p:sp>
+        <p:nvSpPr>
+          <p:cNvPr id="62" name="Google Shape;62;g1b220e7a566_0_5:notes"/>
+          <p:cNvSpPr>
+            <a:spLocks noGrp="1" noRot="1" noChangeAspect="1"/>
+          </p:cNvSpPr>
+          <p:nvPr>
+            <p:ph type="sldImg" idx="2"/>
+          </p:nvPr>
+        </p:nvSpPr>
+        <p:spPr>
+          <a:xfrm>
+            <a:off x="381000" y="685800"/>
+            <a:ext cx="6096000" cy="3429000"/>
+          </a:xfrm>
+          <a:custGeom>
+            <a:avLst/>
+            <a:gdLst/>
+            <a:ahLst/>
+            <a:cxnLst/>
+            <a:rect l="l" t="t" r="r" b="b"/>
+            <a:pathLst>
+              <a:path w="120000" h="120000" extrusionOk="0">
+                <a:moveTo>
+                  <a:pt x="0" y="0"/>
+                </a:moveTo>
+                <a:lnTo>
+                  <a:pt x="120000" y="0"/>
+                </a:lnTo>
+                <a:lnTo>
+                  <a:pt x="120000" y="120000"/>
+                </a:lnTo>
+                <a:lnTo>
+                  <a:pt x="0" y="120000"/>
+                </a:lnTo>
+                <a:close/>
+              </a:path>
+            </a:pathLst>
+          </a:custGeom>
+        </p:spPr>
+      </p:sp>
+      <p:sp>
+        <p:nvSpPr>
+          <p:cNvPr id="63" name="Google Shape;63;g1b220e7a566_0_5:notes"/>
+          <p:cNvSpPr txBox="1">
+            <a:spLocks noGrp="1"/>
+          </p:cNvSpPr>
+          <p:nvPr>
+            <p:ph type="body" idx="1"/>
+          </p:nvPr>
+        </p:nvSpPr>
+        <p:spPr>
+          <a:xfrm>
+            <a:off x="685800" y="4343400"/>
+            <a:ext cx="5486400" cy="4114800"/>
+          </a:xfrm>
+          <a:prstGeom prst="rect">
+            <a:avLst/>
+          </a:prstGeom>
+        </p:spPr>
+        <p:txBody>
+          <a:bodyPr spcFirstLastPara="1" wrap="square" lIns="91425" tIns="91425" rIns="91425" bIns="91425" anchor="t" anchorCtr="0">
+            <a:noAutofit/>
+          </a:bodyPr>
+          <a:lstStyle/>
+          <a:p>
+            <a:pPr marL="0" lvl="0" indent="0" algn="l" rtl="0">
+              <a:spcBef>
+                <a:spcPts val="0"/>
+              </a:spcBef>
+              <a:spcAft>
+                <a:spcPts val="0"/>
+              </a:spcAft>
+              <a:buNone/>
+            </a:pPr>
+            <a:endParaRPr/>
+          </a:p>
+        </p:txBody>
+      </p:sp>
+    </p:spTree>
+    <p:extLst>
+      <p:ext uri="{BB962C8B-B14F-4D97-AF65-F5344CB8AC3E}">
+        <p14:creationId xmlns:p14="http://schemas.microsoft.com/office/powerpoint/2010/main" val="4063557020"/>
+      </p:ext>
+    </p:extLst>
+  </p:cSld>
+  <p:clrMapOvr>
+    <a:masterClrMapping/>
+  </p:clrMapOvr>
+</p:notes>
+</file>
+
+<file path=ppt/notesSlides/notesSlide17.xml><?xml version="1.0" encoding="utf-8"?>
+<p:notes xmlns:a="http://schemas.openxmlformats.org/drawingml/2006/main" xmlns:r="http://schemas.openxmlformats.org/officeDocument/2006/relationships" xmlns:p="http://schemas.openxmlformats.org/presentationml/2006/main" showMasterSp="0" showMasterPhAnim="0">
+  <p:cSld>
+    <p:spTree>
+      <p:nvGrpSpPr>
+        <p:cNvPr id="1" name="Shape 61"/>
+        <p:cNvGrpSpPr/>
+        <p:nvPr/>
+      </p:nvGrpSpPr>
+      <p:grpSpPr>
+        <a:xfrm>
+          <a:off x="0" y="0"/>
+          <a:ext cx="0" cy="0"/>
+          <a:chOff x="0" y="0"/>
+          <a:chExt cx="0" cy="0"/>
+        </a:xfrm>
+      </p:grpSpPr>
+      <p:sp>
+        <p:nvSpPr>
+          <p:cNvPr id="62" name="Google Shape;62;g1b220e7a566_0_5:notes"/>
+          <p:cNvSpPr>
+            <a:spLocks noGrp="1" noRot="1" noChangeAspect="1"/>
+          </p:cNvSpPr>
+          <p:nvPr>
+            <p:ph type="sldImg" idx="2"/>
+          </p:nvPr>
+        </p:nvSpPr>
+        <p:spPr>
+          <a:xfrm>
+            <a:off x="381000" y="685800"/>
+            <a:ext cx="6096000" cy="3429000"/>
+          </a:xfrm>
+          <a:custGeom>
+            <a:avLst/>
+            <a:gdLst/>
+            <a:ahLst/>
+            <a:cxnLst/>
+            <a:rect l="l" t="t" r="r" b="b"/>
+            <a:pathLst>
+              <a:path w="120000" h="120000" extrusionOk="0">
+                <a:moveTo>
+                  <a:pt x="0" y="0"/>
+                </a:moveTo>
+                <a:lnTo>
+                  <a:pt x="120000" y="0"/>
+                </a:lnTo>
+                <a:lnTo>
+                  <a:pt x="120000" y="120000"/>
+                </a:lnTo>
+                <a:lnTo>
+                  <a:pt x="0" y="120000"/>
+                </a:lnTo>
+                <a:close/>
+              </a:path>
+            </a:pathLst>
+          </a:custGeom>
+        </p:spPr>
+      </p:sp>
+      <p:sp>
+        <p:nvSpPr>
+          <p:cNvPr id="63" name="Google Shape;63;g1b220e7a566_0_5:notes"/>
+          <p:cNvSpPr txBox="1">
+            <a:spLocks noGrp="1"/>
+          </p:cNvSpPr>
+          <p:nvPr>
+            <p:ph type="body" idx="1"/>
+          </p:nvPr>
+        </p:nvSpPr>
+        <p:spPr>
+          <a:xfrm>
+            <a:off x="685800" y="4343400"/>
+            <a:ext cx="5486400" cy="4114800"/>
+          </a:xfrm>
+          <a:prstGeom prst="rect">
+            <a:avLst/>
+          </a:prstGeom>
+        </p:spPr>
+        <p:txBody>
+          <a:bodyPr spcFirstLastPara="1" wrap="square" lIns="91425" tIns="91425" rIns="91425" bIns="91425" anchor="t" anchorCtr="0">
+            <a:noAutofit/>
+          </a:bodyPr>
+          <a:lstStyle/>
+          <a:p>
+            <a:pPr marL="0" lvl="0" indent="0" algn="l" rtl="0">
+              <a:spcBef>
+                <a:spcPts val="0"/>
+              </a:spcBef>
+              <a:spcAft>
+                <a:spcPts val="0"/>
+              </a:spcAft>
+              <a:buNone/>
+            </a:pPr>
+            <a:endParaRPr/>
+          </a:p>
+        </p:txBody>
+      </p:sp>
+    </p:spTree>
+    <p:extLst>
+      <p:ext uri="{BB962C8B-B14F-4D97-AF65-F5344CB8AC3E}">
+        <p14:creationId xmlns:p14="http://schemas.microsoft.com/office/powerpoint/2010/main" val="536677754"/>
+      </p:ext>
+    </p:extLst>
+  </p:cSld>
+  <p:clrMapOvr>
+    <a:masterClrMapping/>
+  </p:clrMapOvr>
+</p:notes>
+</file>
+
+<file path=ppt/notesSlides/notesSlide18.xml><?xml version="1.0" encoding="utf-8"?>
+<p:notes xmlns:a="http://schemas.openxmlformats.org/drawingml/2006/main" xmlns:r="http://schemas.openxmlformats.org/officeDocument/2006/relationships" xmlns:p="http://schemas.openxmlformats.org/presentationml/2006/main" showMasterSp="0" showMasterPhAnim="0">
+  <p:cSld>
+    <p:spTree>
+      <p:nvGrpSpPr>
+        <p:cNvPr id="1" name="Shape 61"/>
+        <p:cNvGrpSpPr/>
+        <p:nvPr/>
+      </p:nvGrpSpPr>
+      <p:grpSpPr>
+        <a:xfrm>
+          <a:off x="0" y="0"/>
+          <a:ext cx="0" cy="0"/>
+          <a:chOff x="0" y="0"/>
+          <a:chExt cx="0" cy="0"/>
+        </a:xfrm>
+      </p:grpSpPr>
+      <p:sp>
+        <p:nvSpPr>
+          <p:cNvPr id="62" name="Google Shape;62;g1b220e7a566_0_5:notes"/>
+          <p:cNvSpPr>
+            <a:spLocks noGrp="1" noRot="1" noChangeAspect="1"/>
+          </p:cNvSpPr>
+          <p:nvPr>
+            <p:ph type="sldImg" idx="2"/>
+          </p:nvPr>
+        </p:nvSpPr>
+        <p:spPr>
+          <a:xfrm>
+            <a:off x="381000" y="685800"/>
+            <a:ext cx="6096000" cy="3429000"/>
+          </a:xfrm>
+          <a:custGeom>
+            <a:avLst/>
+            <a:gdLst/>
+            <a:ahLst/>
+            <a:cxnLst/>
+            <a:rect l="l" t="t" r="r" b="b"/>
+            <a:pathLst>
+              <a:path w="120000" h="120000" extrusionOk="0">
+                <a:moveTo>
+                  <a:pt x="0" y="0"/>
+                </a:moveTo>
+                <a:lnTo>
+                  <a:pt x="120000" y="0"/>
+                </a:lnTo>
+                <a:lnTo>
+                  <a:pt x="120000" y="120000"/>
+                </a:lnTo>
+                <a:lnTo>
+                  <a:pt x="0" y="120000"/>
+                </a:lnTo>
+                <a:close/>
+              </a:path>
+            </a:pathLst>
+          </a:custGeom>
+        </p:spPr>
+      </p:sp>
+      <p:sp>
+        <p:nvSpPr>
+          <p:cNvPr id="63" name="Google Shape;63;g1b220e7a566_0_5:notes"/>
+          <p:cNvSpPr txBox="1">
+            <a:spLocks noGrp="1"/>
+          </p:cNvSpPr>
+          <p:nvPr>
+            <p:ph type="body" idx="1"/>
+          </p:nvPr>
+        </p:nvSpPr>
+        <p:spPr>
+          <a:xfrm>
+            <a:off x="685800" y="4343400"/>
+            <a:ext cx="5486400" cy="4114800"/>
+          </a:xfrm>
+          <a:prstGeom prst="rect">
+            <a:avLst/>
+          </a:prstGeom>
+        </p:spPr>
+        <p:txBody>
+          <a:bodyPr spcFirstLastPara="1" wrap="square" lIns="91425" tIns="91425" rIns="91425" bIns="91425" anchor="t" anchorCtr="0">
+            <a:noAutofit/>
+          </a:bodyPr>
+          <a:lstStyle/>
+          <a:p>
+            <a:pPr marL="0" lvl="0" indent="0" algn="l" rtl="0">
+              <a:spcBef>
+                <a:spcPts val="0"/>
+              </a:spcBef>
+              <a:spcAft>
+                <a:spcPts val="0"/>
+              </a:spcAft>
+              <a:buNone/>
+            </a:pPr>
+            <a:endParaRPr/>
+          </a:p>
+        </p:txBody>
+      </p:sp>
+    </p:spTree>
+    <p:extLst>
+      <p:ext uri="{BB962C8B-B14F-4D97-AF65-F5344CB8AC3E}">
+        <p14:creationId xmlns:p14="http://schemas.microsoft.com/office/powerpoint/2010/main" val="2280314695"/>
+      </p:ext>
+    </p:extLst>
+  </p:cSld>
+  <p:clrMapOvr>
+    <a:masterClrMapping/>
+  </p:clrMapOvr>
+</p:notes>
+</file>
+
+<file path=ppt/notesSlides/notesSlide19.xml><?xml version="1.0" encoding="utf-8"?>
+<p:notes xmlns:a="http://schemas.openxmlformats.org/drawingml/2006/main" xmlns:r="http://schemas.openxmlformats.org/officeDocument/2006/relationships" xmlns:p="http://schemas.openxmlformats.org/presentationml/2006/main" showMasterSp="0" showMasterPhAnim="0">
+  <p:cSld>
+    <p:spTree>
+      <p:nvGrpSpPr>
+        <p:cNvPr id="1" name="Shape 61"/>
+        <p:cNvGrpSpPr/>
+        <p:nvPr/>
+      </p:nvGrpSpPr>
+      <p:grpSpPr>
+        <a:xfrm>
+          <a:off x="0" y="0"/>
+          <a:ext cx="0" cy="0"/>
+          <a:chOff x="0" y="0"/>
+          <a:chExt cx="0" cy="0"/>
+        </a:xfrm>
+      </p:grpSpPr>
+      <p:sp>
+        <p:nvSpPr>
+          <p:cNvPr id="62" name="Google Shape;62;g1b220e7a566_0_5:notes"/>
+          <p:cNvSpPr>
+            <a:spLocks noGrp="1" noRot="1" noChangeAspect="1"/>
+          </p:cNvSpPr>
+          <p:nvPr>
+            <p:ph type="sldImg" idx="2"/>
+          </p:nvPr>
+        </p:nvSpPr>
+        <p:spPr>
+          <a:xfrm>
+            <a:off x="381000" y="685800"/>
+            <a:ext cx="6096000" cy="3429000"/>
+          </a:xfrm>
+          <a:custGeom>
+            <a:avLst/>
+            <a:gdLst/>
+            <a:ahLst/>
+            <a:cxnLst/>
+            <a:rect l="l" t="t" r="r" b="b"/>
+            <a:pathLst>
+              <a:path w="120000" h="120000" extrusionOk="0">
+                <a:moveTo>
+                  <a:pt x="0" y="0"/>
+                </a:moveTo>
+                <a:lnTo>
+                  <a:pt x="120000" y="0"/>
+                </a:lnTo>
+                <a:lnTo>
+                  <a:pt x="120000" y="120000"/>
+                </a:lnTo>
+                <a:lnTo>
+                  <a:pt x="0" y="120000"/>
+                </a:lnTo>
+                <a:close/>
+              </a:path>
+            </a:pathLst>
+          </a:custGeom>
+        </p:spPr>
+      </p:sp>
+      <p:sp>
+        <p:nvSpPr>
+          <p:cNvPr id="63" name="Google Shape;63;g1b220e7a566_0_5:notes"/>
+          <p:cNvSpPr txBox="1">
+            <a:spLocks noGrp="1"/>
+          </p:cNvSpPr>
+          <p:nvPr>
+            <p:ph type="body" idx="1"/>
+          </p:nvPr>
+        </p:nvSpPr>
+        <p:spPr>
+          <a:xfrm>
+            <a:off x="685800" y="4343400"/>
+            <a:ext cx="5486400" cy="4114800"/>
+          </a:xfrm>
+          <a:prstGeom prst="rect">
+            <a:avLst/>
+          </a:prstGeom>
+        </p:spPr>
+        <p:txBody>
+          <a:bodyPr spcFirstLastPara="1" wrap="square" lIns="91425" tIns="91425" rIns="91425" bIns="91425" anchor="t" anchorCtr="0">
+            <a:noAutofit/>
+          </a:bodyPr>
+          <a:lstStyle/>
+          <a:p>
+            <a:pPr marL="0" lvl="0" indent="0" algn="l" rtl="0">
+              <a:spcBef>
+                <a:spcPts val="0"/>
+              </a:spcBef>
+              <a:spcAft>
+                <a:spcPts val="0"/>
+              </a:spcAft>
+              <a:buNone/>
+            </a:pPr>
+            <a:endParaRPr/>
+          </a:p>
+        </p:txBody>
+      </p:sp>
+    </p:spTree>
+    <p:extLst>
+      <p:ext uri="{BB962C8B-B14F-4D97-AF65-F5344CB8AC3E}">
+        <p14:creationId xmlns:p14="http://schemas.microsoft.com/office/powerpoint/2010/main" val="3882747726"/>
+      </p:ext>
+    </p:extLst>
+  </p:cSld>
+  <p:clrMapOvr>
+    <a:masterClrMapping/>
+  </p:clrMapOvr>
+</p:notes>
+</file>
+
 <file path=ppt/notesSlides/notesSlide2.xml><?xml version="1.0" encoding="utf-8"?>
 <p:notes xmlns:a="http://schemas.openxmlformats.org/drawingml/2006/main" xmlns:r="http://schemas.openxmlformats.org/officeDocument/2006/relationships" xmlns:p="http://schemas.openxmlformats.org/presentationml/2006/main" showMasterSp="0" showMasterPhAnim="0">
   <p:cSld>
@@ -669,6 +1775,115 @@
         </p:txBody>
       </p:sp>
     </p:spTree>
+  </p:cSld>
+  <p:clrMapOvr>
+    <a:masterClrMapping/>
+  </p:clrMapOvr>
+</p:notes>
+</file>
+
+<file path=ppt/notesSlides/notesSlide20.xml><?xml version="1.0" encoding="utf-8"?>
+<p:notes xmlns:a="http://schemas.openxmlformats.org/drawingml/2006/main" xmlns:r="http://schemas.openxmlformats.org/officeDocument/2006/relationships" xmlns:p="http://schemas.openxmlformats.org/presentationml/2006/main" showMasterSp="0" showMasterPhAnim="0">
+  <p:cSld>
+    <p:spTree>
+      <p:nvGrpSpPr>
+        <p:cNvPr id="1" name="Shape 61"/>
+        <p:cNvGrpSpPr/>
+        <p:nvPr/>
+      </p:nvGrpSpPr>
+      <p:grpSpPr>
+        <a:xfrm>
+          <a:off x="0" y="0"/>
+          <a:ext cx="0" cy="0"/>
+          <a:chOff x="0" y="0"/>
+          <a:chExt cx="0" cy="0"/>
+        </a:xfrm>
+      </p:grpSpPr>
+      <p:sp>
+        <p:nvSpPr>
+          <p:cNvPr id="62" name="Google Shape;62;g1b220e7a566_0_5:notes"/>
+          <p:cNvSpPr>
+            <a:spLocks noGrp="1" noRot="1" noChangeAspect="1"/>
+          </p:cNvSpPr>
+          <p:nvPr>
+            <p:ph type="sldImg" idx="2"/>
+          </p:nvPr>
+        </p:nvSpPr>
+        <p:spPr>
+          <a:xfrm>
+            <a:off x="381000" y="685800"/>
+            <a:ext cx="6096000" cy="3429000"/>
+          </a:xfrm>
+          <a:custGeom>
+            <a:avLst/>
+            <a:gdLst/>
+            <a:ahLst/>
+            <a:cxnLst/>
+            <a:rect l="l" t="t" r="r" b="b"/>
+            <a:pathLst>
+              <a:path w="120000" h="120000" extrusionOk="0">
+                <a:moveTo>
+                  <a:pt x="0" y="0"/>
+                </a:moveTo>
+                <a:lnTo>
+                  <a:pt x="120000" y="0"/>
+                </a:lnTo>
+                <a:lnTo>
+                  <a:pt x="120000" y="120000"/>
+                </a:lnTo>
+                <a:lnTo>
+                  <a:pt x="0" y="120000"/>
+                </a:lnTo>
+                <a:close/>
+              </a:path>
+            </a:pathLst>
+          </a:custGeom>
+        </p:spPr>
+      </p:sp>
+      <p:sp>
+        <p:nvSpPr>
+          <p:cNvPr id="63" name="Google Shape;63;g1b220e7a566_0_5:notes"/>
+          <p:cNvSpPr txBox="1">
+            <a:spLocks noGrp="1"/>
+          </p:cNvSpPr>
+          <p:nvPr>
+            <p:ph type="body" idx="1"/>
+          </p:nvPr>
+        </p:nvSpPr>
+        <p:spPr>
+          <a:xfrm>
+            <a:off x="685800" y="4343400"/>
+            <a:ext cx="5486400" cy="4114800"/>
+          </a:xfrm>
+          <a:prstGeom prst="rect">
+            <a:avLst/>
+          </a:prstGeom>
+        </p:spPr>
+        <p:txBody>
+          <a:bodyPr spcFirstLastPara="1" wrap="square" lIns="91425" tIns="91425" rIns="91425" bIns="91425" anchor="t" anchorCtr="0">
+            <a:noAutofit/>
+          </a:bodyPr>
+          <a:lstStyle/>
+          <a:p>
+            <a:pPr marL="0" lvl="0" indent="0" algn="l" rtl="0">
+              <a:spcBef>
+                <a:spcPts val="0"/>
+              </a:spcBef>
+              <a:spcAft>
+                <a:spcPts val="0"/>
+              </a:spcAft>
+              <a:buNone/>
+            </a:pPr>
+            <a:endParaRPr/>
+          </a:p>
+        </p:txBody>
+      </p:sp>
+    </p:spTree>
+    <p:extLst>
+      <p:ext uri="{BB962C8B-B14F-4D97-AF65-F5344CB8AC3E}">
+        <p14:creationId xmlns:p14="http://schemas.microsoft.com/office/powerpoint/2010/main" val="68924014"/>
+      </p:ext>
+    </p:extLst>
   </p:cSld>
   <p:clrMapOvr>
     <a:masterClrMapping/>
@@ -6909,6 +8124,1403 @@
 </p:sld>
 </file>
 
+<file path=ppt/slides/slide10.xml><?xml version="1.0" encoding="utf-8"?>
+<p:sld xmlns:a="http://schemas.openxmlformats.org/drawingml/2006/main" xmlns:r="http://schemas.openxmlformats.org/officeDocument/2006/relationships" xmlns:p="http://schemas.openxmlformats.org/presentationml/2006/main">
+  <p:cSld>
+    <p:bg>
+      <p:bgPr>
+        <a:solidFill>
+          <a:schemeClr val="tx2">
+            <a:lumMod val="25000"/>
+          </a:schemeClr>
+        </a:solidFill>
+        <a:effectLst/>
+      </p:bgPr>
+    </p:bg>
+    <p:spTree>
+      <p:nvGrpSpPr>
+        <p:cNvPr id="1" name="Shape 64"/>
+        <p:cNvGrpSpPr/>
+        <p:nvPr/>
+      </p:nvGrpSpPr>
+      <p:grpSpPr>
+        <a:xfrm>
+          <a:off x="0" y="0"/>
+          <a:ext cx="0" cy="0"/>
+          <a:chOff x="0" y="0"/>
+          <a:chExt cx="0" cy="0"/>
+        </a:xfrm>
+      </p:grpSpPr>
+      <p:sp>
+        <p:nvSpPr>
+          <p:cNvPr id="65" name="Google Shape;65;p14"/>
+          <p:cNvSpPr txBox="1">
+            <a:spLocks noGrp="1"/>
+          </p:cNvSpPr>
+          <p:nvPr>
+            <p:ph type="title"/>
+          </p:nvPr>
+        </p:nvSpPr>
+        <p:spPr>
+          <a:xfrm>
+            <a:off x="104976" y="122027"/>
+            <a:ext cx="11030400" cy="763600"/>
+          </a:xfrm>
+          <a:prstGeom prst="rect">
+            <a:avLst/>
+          </a:prstGeom>
+        </p:spPr>
+        <p:txBody>
+          <a:bodyPr spcFirstLastPara="1" wrap="square" lIns="121900" tIns="121900" rIns="121900" bIns="121900" anchor="t" anchorCtr="0">
+            <a:noAutofit/>
+          </a:bodyPr>
+          <a:lstStyle/>
+          <a:p>
+            <a:r>
+              <a:rPr lang="en-US" sz="4000" dirty="0"/>
+              <a:t>Experimental Results</a:t>
+            </a:r>
+            <a:endParaRPr sz="4000" dirty="0"/>
+          </a:p>
+        </p:txBody>
+      </p:sp>
+      <p:pic>
+        <p:nvPicPr>
+          <p:cNvPr id="4" name="Resim 3" descr="makine, metin, iç mekan, elektronik donanım içeren bir resim&#10;&#10;Açıklama otomatik olarak oluşturuldu">
+            <a:extLst>
+              <a:ext uri="{FF2B5EF4-FFF2-40B4-BE49-F238E27FC236}">
+                <a16:creationId xmlns:a16="http://schemas.microsoft.com/office/drawing/2014/main" id="{9C2D1676-9678-0B15-39FA-070C52FE262C}"/>
+              </a:ext>
+            </a:extLst>
+          </p:cNvPr>
+          <p:cNvPicPr>
+            <a:picLocks noChangeAspect="1"/>
+          </p:cNvPicPr>
+          <p:nvPr/>
+        </p:nvPicPr>
+        <p:blipFill>
+          <a:blip r:embed="rId3">
+            <a:extLst>
+              <a:ext uri="{28A0092B-C50C-407E-A947-70E740481C1C}">
+                <a14:useLocalDpi xmlns:a14="http://schemas.microsoft.com/office/drawing/2010/main" val="0"/>
+              </a:ext>
+            </a:extLst>
+          </a:blip>
+          <a:stretch>
+            <a:fillRect/>
+          </a:stretch>
+        </p:blipFill>
+        <p:spPr>
+          <a:xfrm>
+            <a:off x="2219325" y="885627"/>
+            <a:ext cx="7505700" cy="5629275"/>
+          </a:xfrm>
+          <a:prstGeom prst="rect">
+            <a:avLst/>
+          </a:prstGeom>
+        </p:spPr>
+      </p:pic>
+    </p:spTree>
+    <p:extLst>
+      <p:ext uri="{BB962C8B-B14F-4D97-AF65-F5344CB8AC3E}">
+        <p14:creationId xmlns:p14="http://schemas.microsoft.com/office/powerpoint/2010/main" val="3174216785"/>
+      </p:ext>
+    </p:extLst>
+  </p:cSld>
+  <p:clrMapOvr>
+    <a:masterClrMapping/>
+  </p:clrMapOvr>
+</p:sld>
+</file>
+
+<file path=ppt/slides/slide11.xml><?xml version="1.0" encoding="utf-8"?>
+<p:sld xmlns:a="http://schemas.openxmlformats.org/drawingml/2006/main" xmlns:r="http://schemas.openxmlformats.org/officeDocument/2006/relationships" xmlns:p="http://schemas.openxmlformats.org/presentationml/2006/main">
+  <p:cSld>
+    <p:bg>
+      <p:bgPr>
+        <a:solidFill>
+          <a:schemeClr val="tx2">
+            <a:lumMod val="25000"/>
+          </a:schemeClr>
+        </a:solidFill>
+        <a:effectLst/>
+      </p:bgPr>
+    </p:bg>
+    <p:spTree>
+      <p:nvGrpSpPr>
+        <p:cNvPr id="1" name="Shape 64"/>
+        <p:cNvGrpSpPr/>
+        <p:nvPr/>
+      </p:nvGrpSpPr>
+      <p:grpSpPr>
+        <a:xfrm>
+          <a:off x="0" y="0"/>
+          <a:ext cx="0" cy="0"/>
+          <a:chOff x="0" y="0"/>
+          <a:chExt cx="0" cy="0"/>
+        </a:xfrm>
+      </p:grpSpPr>
+      <p:sp>
+        <p:nvSpPr>
+          <p:cNvPr id="65" name="Google Shape;65;p14"/>
+          <p:cNvSpPr txBox="1">
+            <a:spLocks noGrp="1"/>
+          </p:cNvSpPr>
+          <p:nvPr>
+            <p:ph type="title"/>
+          </p:nvPr>
+        </p:nvSpPr>
+        <p:spPr>
+          <a:xfrm>
+            <a:off x="104976" y="122027"/>
+            <a:ext cx="11030400" cy="763600"/>
+          </a:xfrm>
+          <a:prstGeom prst="rect">
+            <a:avLst/>
+          </a:prstGeom>
+        </p:spPr>
+        <p:txBody>
+          <a:bodyPr spcFirstLastPara="1" wrap="square" lIns="121900" tIns="121900" rIns="121900" bIns="121900" anchor="t" anchorCtr="0">
+            <a:noAutofit/>
+          </a:bodyPr>
+          <a:lstStyle/>
+          <a:p>
+            <a:r>
+              <a:rPr lang="en-US" sz="4000" dirty="0"/>
+              <a:t>Experimental Results</a:t>
+            </a:r>
+            <a:endParaRPr sz="4000" dirty="0"/>
+          </a:p>
+        </p:txBody>
+      </p:sp>
+      <p:pic>
+        <p:nvPicPr>
+          <p:cNvPr id="4" name="Resim 3" descr="metin, makine, iç mekan, tıbbi cihazlar içeren bir resim&#10;&#10;Açıklama otomatik olarak oluşturuldu">
+            <a:extLst>
+              <a:ext uri="{FF2B5EF4-FFF2-40B4-BE49-F238E27FC236}">
+                <a16:creationId xmlns:a16="http://schemas.microsoft.com/office/drawing/2014/main" id="{889F7E1C-B8CA-9A89-D02A-89108E3D93B9}"/>
+              </a:ext>
+            </a:extLst>
+          </p:cNvPr>
+          <p:cNvPicPr>
+            <a:picLocks noChangeAspect="1"/>
+          </p:cNvPicPr>
+          <p:nvPr/>
+        </p:nvPicPr>
+        <p:blipFill>
+          <a:blip r:embed="rId3">
+            <a:extLst>
+              <a:ext uri="{28A0092B-C50C-407E-A947-70E740481C1C}">
+                <a14:useLocalDpi xmlns:a14="http://schemas.microsoft.com/office/drawing/2010/main" val="0"/>
+              </a:ext>
+            </a:extLst>
+          </a:blip>
+          <a:stretch>
+            <a:fillRect/>
+          </a:stretch>
+        </p:blipFill>
+        <p:spPr>
+          <a:xfrm>
+            <a:off x="2181225" y="990017"/>
+            <a:ext cx="7477125" cy="5607844"/>
+          </a:xfrm>
+          <a:prstGeom prst="rect">
+            <a:avLst/>
+          </a:prstGeom>
+        </p:spPr>
+      </p:pic>
+    </p:spTree>
+    <p:extLst>
+      <p:ext uri="{BB962C8B-B14F-4D97-AF65-F5344CB8AC3E}">
+        <p14:creationId xmlns:p14="http://schemas.microsoft.com/office/powerpoint/2010/main" val="3728997646"/>
+      </p:ext>
+    </p:extLst>
+  </p:cSld>
+  <p:clrMapOvr>
+    <a:masterClrMapping/>
+  </p:clrMapOvr>
+</p:sld>
+</file>
+
+<file path=ppt/slides/slide12.xml><?xml version="1.0" encoding="utf-8"?>
+<p:sld xmlns:a="http://schemas.openxmlformats.org/drawingml/2006/main" xmlns:r="http://schemas.openxmlformats.org/officeDocument/2006/relationships" xmlns:p="http://schemas.openxmlformats.org/presentationml/2006/main">
+  <p:cSld>
+    <p:bg>
+      <p:bgPr>
+        <a:solidFill>
+          <a:schemeClr val="tx2">
+            <a:lumMod val="25000"/>
+          </a:schemeClr>
+        </a:solidFill>
+        <a:effectLst/>
+      </p:bgPr>
+    </p:bg>
+    <p:spTree>
+      <p:nvGrpSpPr>
+        <p:cNvPr id="1" name="Shape 64"/>
+        <p:cNvGrpSpPr/>
+        <p:nvPr/>
+      </p:nvGrpSpPr>
+      <p:grpSpPr>
+        <a:xfrm>
+          <a:off x="0" y="0"/>
+          <a:ext cx="0" cy="0"/>
+          <a:chOff x="0" y="0"/>
+          <a:chExt cx="0" cy="0"/>
+        </a:xfrm>
+      </p:grpSpPr>
+      <p:sp>
+        <p:nvSpPr>
+          <p:cNvPr id="65" name="Google Shape;65;p14"/>
+          <p:cNvSpPr txBox="1">
+            <a:spLocks noGrp="1"/>
+          </p:cNvSpPr>
+          <p:nvPr>
+            <p:ph type="title"/>
+          </p:nvPr>
+        </p:nvSpPr>
+        <p:spPr>
+          <a:xfrm>
+            <a:off x="104976" y="122027"/>
+            <a:ext cx="11030400" cy="763600"/>
+          </a:xfrm>
+          <a:prstGeom prst="rect">
+            <a:avLst/>
+          </a:prstGeom>
+        </p:spPr>
+        <p:txBody>
+          <a:bodyPr spcFirstLastPara="1" wrap="square" lIns="121900" tIns="121900" rIns="121900" bIns="121900" anchor="t" anchorCtr="0">
+            <a:noAutofit/>
+          </a:bodyPr>
+          <a:lstStyle/>
+          <a:p>
+            <a:r>
+              <a:rPr lang="en-US" sz="4000" dirty="0"/>
+              <a:t>Experimental Results</a:t>
+            </a:r>
+            <a:endParaRPr sz="4000" dirty="0"/>
+          </a:p>
+        </p:txBody>
+      </p:sp>
+      <p:pic>
+        <p:nvPicPr>
+          <p:cNvPr id="3" name="Resim 2" descr="metin, elektronik donanım, multimedya, ekran içeren bir resim&#10;&#10;Açıklama otomatik olarak oluşturuldu">
+            <a:extLst>
+              <a:ext uri="{FF2B5EF4-FFF2-40B4-BE49-F238E27FC236}">
+                <a16:creationId xmlns:a16="http://schemas.microsoft.com/office/drawing/2014/main" id="{72711E30-4975-20F6-6C51-F5E2E10ED9E5}"/>
+              </a:ext>
+            </a:extLst>
+          </p:cNvPr>
+          <p:cNvPicPr>
+            <a:picLocks noChangeAspect="1"/>
+          </p:cNvPicPr>
+          <p:nvPr/>
+        </p:nvPicPr>
+        <p:blipFill>
+          <a:blip r:embed="rId3">
+            <a:extLst>
+              <a:ext uri="{28A0092B-C50C-407E-A947-70E740481C1C}">
+                <a14:useLocalDpi xmlns:a14="http://schemas.microsoft.com/office/drawing/2010/main" val="0"/>
+              </a:ext>
+            </a:extLst>
+          </a:blip>
+          <a:stretch>
+            <a:fillRect/>
+          </a:stretch>
+        </p:blipFill>
+        <p:spPr>
+          <a:xfrm>
+            <a:off x="2110213" y="1044178"/>
+            <a:ext cx="7129037" cy="5346778"/>
+          </a:xfrm>
+          <a:prstGeom prst="rect">
+            <a:avLst/>
+          </a:prstGeom>
+        </p:spPr>
+      </p:pic>
+    </p:spTree>
+    <p:extLst>
+      <p:ext uri="{BB962C8B-B14F-4D97-AF65-F5344CB8AC3E}">
+        <p14:creationId xmlns:p14="http://schemas.microsoft.com/office/powerpoint/2010/main" val="3852648840"/>
+      </p:ext>
+    </p:extLst>
+  </p:cSld>
+  <p:clrMapOvr>
+    <a:masterClrMapping/>
+  </p:clrMapOvr>
+</p:sld>
+</file>
+
+<file path=ppt/slides/slide13.xml><?xml version="1.0" encoding="utf-8"?>
+<p:sld xmlns:a="http://schemas.openxmlformats.org/drawingml/2006/main" xmlns:r="http://schemas.openxmlformats.org/officeDocument/2006/relationships" xmlns:p="http://schemas.openxmlformats.org/presentationml/2006/main">
+  <p:cSld>
+    <p:bg>
+      <p:bgPr>
+        <a:solidFill>
+          <a:schemeClr val="tx2">
+            <a:lumMod val="25000"/>
+          </a:schemeClr>
+        </a:solidFill>
+        <a:effectLst/>
+      </p:bgPr>
+    </p:bg>
+    <p:spTree>
+      <p:nvGrpSpPr>
+        <p:cNvPr id="1" name="Shape 64"/>
+        <p:cNvGrpSpPr/>
+        <p:nvPr/>
+      </p:nvGrpSpPr>
+      <p:grpSpPr>
+        <a:xfrm>
+          <a:off x="0" y="0"/>
+          <a:ext cx="0" cy="0"/>
+          <a:chOff x="0" y="0"/>
+          <a:chExt cx="0" cy="0"/>
+        </a:xfrm>
+      </p:grpSpPr>
+      <p:sp>
+        <p:nvSpPr>
+          <p:cNvPr id="65" name="Google Shape;65;p14"/>
+          <p:cNvSpPr txBox="1">
+            <a:spLocks noGrp="1"/>
+          </p:cNvSpPr>
+          <p:nvPr>
+            <p:ph type="title"/>
+          </p:nvPr>
+        </p:nvSpPr>
+        <p:spPr>
+          <a:xfrm>
+            <a:off x="104976" y="122027"/>
+            <a:ext cx="11030400" cy="763600"/>
+          </a:xfrm>
+          <a:prstGeom prst="rect">
+            <a:avLst/>
+          </a:prstGeom>
+        </p:spPr>
+        <p:txBody>
+          <a:bodyPr spcFirstLastPara="1" wrap="square" lIns="121900" tIns="121900" rIns="121900" bIns="121900" anchor="t" anchorCtr="0">
+            <a:noAutofit/>
+          </a:bodyPr>
+          <a:lstStyle/>
+          <a:p>
+            <a:r>
+              <a:rPr lang="en-US" sz="4000" dirty="0"/>
+              <a:t>Experimental Results</a:t>
+            </a:r>
+            <a:endParaRPr sz="4000" dirty="0"/>
+          </a:p>
+        </p:txBody>
+      </p:sp>
+      <p:pic>
+        <p:nvPicPr>
+          <p:cNvPr id="2" name="Çevrimiçi Medya 1" title="Flyback Converter 0th Experiment">
+            <a:hlinkClick r:id="" action="ppaction://media"/>
+            <a:extLst>
+              <a:ext uri="{FF2B5EF4-FFF2-40B4-BE49-F238E27FC236}">
+                <a16:creationId xmlns:a16="http://schemas.microsoft.com/office/drawing/2014/main" id="{0A73BF59-0BF9-4FE1-16C7-3A790B30C2E8}"/>
+              </a:ext>
+            </a:extLst>
+          </p:cNvPr>
+          <p:cNvPicPr>
+            <a:picLocks noRot="1" noChangeAspect="1"/>
+          </p:cNvPicPr>
+          <p:nvPr>
+            <a:videoFile r:link="rId1"/>
+          </p:nvPr>
+        </p:nvPicPr>
+        <p:blipFill>
+          <a:blip r:embed="rId4"/>
+          <a:stretch>
+            <a:fillRect/>
+          </a:stretch>
+        </p:blipFill>
+        <p:spPr>
+          <a:xfrm>
+            <a:off x="1941512" y="1081714"/>
+            <a:ext cx="8308975" cy="4694571"/>
+          </a:xfrm>
+          <a:prstGeom prst="rect">
+            <a:avLst/>
+          </a:prstGeom>
+        </p:spPr>
+      </p:pic>
+    </p:spTree>
+    <p:extLst>
+      <p:ext uri="{BB962C8B-B14F-4D97-AF65-F5344CB8AC3E}">
+        <p14:creationId xmlns:p14="http://schemas.microsoft.com/office/powerpoint/2010/main" val="1301430091"/>
+      </p:ext>
+    </p:extLst>
+  </p:cSld>
+  <p:clrMapOvr>
+    <a:masterClrMapping/>
+  </p:clrMapOvr>
+  <p:timing>
+    <p:tnLst>
+      <p:par>
+        <p:cTn id="1" dur="indefinite" restart="never" nodeType="tmRoot">
+          <p:childTnLst>
+            <p:seq concurrent="1" nextAc="seek">
+              <p:cTn id="2" dur="indefinite" nodeType="mainSeq">
+                <p:childTnLst>
+                  <p:par>
+                    <p:cTn id="3" fill="hold">
+                      <p:stCondLst>
+                        <p:cond delay="indefinite"/>
+                      </p:stCondLst>
+                      <p:childTnLst>
+                        <p:par>
+                          <p:cTn id="4" fill="hold">
+                            <p:stCondLst>
+                              <p:cond delay="0"/>
+                            </p:stCondLst>
+                            <p:childTnLst>
+                              <p:par>
+                                <p:cTn id="5" presetID="1" presetClass="mediacall" presetSubtype="0" fill="hold" nodeType="clickEffect">
+                                  <p:stCondLst>
+                                    <p:cond delay="0"/>
+                                  </p:stCondLst>
+                                  <p:childTnLst>
+                                    <p:cmd type="call" cmd="playFrom(0.0)">
+                                      <p:cBhvr>
+                                        <p:cTn id="6" dur="1" fill="hold"/>
+                                        <p:tgtEl>
+                                          <p:spTgt spid="2"/>
+                                        </p:tgtEl>
+                                      </p:cBhvr>
+                                    </p:cmd>
+                                  </p:childTnLst>
+                                </p:cTn>
+                              </p:par>
+                            </p:childTnLst>
+                          </p:cTn>
+                        </p:par>
+                      </p:childTnLst>
+                    </p:cTn>
+                  </p:par>
+                </p:childTnLst>
+              </p:cTn>
+              <p:prevCondLst>
+                <p:cond evt="onPrev" delay="0">
+                  <p:tgtEl>
+                    <p:sldTgt/>
+                  </p:tgtEl>
+                </p:cond>
+              </p:prevCondLst>
+              <p:nextCondLst>
+                <p:cond evt="onNext" delay="0">
+                  <p:tgtEl>
+                    <p:sldTgt/>
+                  </p:tgtEl>
+                </p:cond>
+              </p:nextCondLst>
+            </p:seq>
+            <p:video>
+              <p:cMediaNode vol="80000">
+                <p:cTn id="7" fill="hold" display="0">
+                  <p:stCondLst>
+                    <p:cond delay="indefinite"/>
+                  </p:stCondLst>
+                </p:cTn>
+                <p:tgtEl>
+                  <p:spTgt spid="2"/>
+                </p:tgtEl>
+              </p:cMediaNode>
+            </p:video>
+            <p:seq concurrent="1" nextAc="seek">
+              <p:cTn id="8" restart="whenNotActive" fill="hold" evtFilter="cancelBubble" nodeType="interactiveSeq">
+                <p:stCondLst>
+                  <p:cond evt="onClick" delay="0">
+                    <p:tgtEl>
+                      <p:spTgt spid="2"/>
+                    </p:tgtEl>
+                  </p:cond>
+                </p:stCondLst>
+                <p:endSync evt="end" delay="0">
+                  <p:rtn val="all"/>
+                </p:endSync>
+                <p:childTnLst>
+                  <p:par>
+                    <p:cTn id="9" fill="hold">
+                      <p:stCondLst>
+                        <p:cond delay="0"/>
+                      </p:stCondLst>
+                      <p:childTnLst>
+                        <p:par>
+                          <p:cTn id="10" fill="hold">
+                            <p:stCondLst>
+                              <p:cond delay="0"/>
+                            </p:stCondLst>
+                            <p:childTnLst>
+                              <p:par>
+                                <p:cTn id="11" presetID="2" presetClass="mediacall" presetSubtype="0" fill="hold" nodeType="clickEffect">
+                                  <p:stCondLst>
+                                    <p:cond delay="0"/>
+                                  </p:stCondLst>
+                                  <p:childTnLst>
+                                    <p:cmd type="call" cmd="togglePause">
+                                      <p:cBhvr>
+                                        <p:cTn id="12" dur="1" fill="hold"/>
+                                        <p:tgtEl>
+                                          <p:spTgt spid="2"/>
+                                        </p:tgtEl>
+                                      </p:cBhvr>
+                                    </p:cmd>
+                                  </p:childTnLst>
+                                </p:cTn>
+                              </p:par>
+                            </p:childTnLst>
+                          </p:cTn>
+                        </p:par>
+                      </p:childTnLst>
+                    </p:cTn>
+                  </p:par>
+                </p:childTnLst>
+              </p:cTn>
+              <p:nextCondLst>
+                <p:cond evt="onClick" delay="0">
+                  <p:tgtEl>
+                    <p:spTgt spid="2"/>
+                  </p:tgtEl>
+                </p:cond>
+              </p:nextCondLst>
+            </p:seq>
+          </p:childTnLst>
+        </p:cTn>
+      </p:par>
+    </p:tnLst>
+  </p:timing>
+</p:sld>
+</file>
+
+<file path=ppt/slides/slide14.xml><?xml version="1.0" encoding="utf-8"?>
+<p:sld xmlns:a="http://schemas.openxmlformats.org/drawingml/2006/main" xmlns:r="http://schemas.openxmlformats.org/officeDocument/2006/relationships" xmlns:p="http://schemas.openxmlformats.org/presentationml/2006/main">
+  <p:cSld>
+    <p:bg>
+      <p:bgPr>
+        <a:solidFill>
+          <a:schemeClr val="tx2">
+            <a:lumMod val="25000"/>
+          </a:schemeClr>
+        </a:solidFill>
+        <a:effectLst/>
+      </p:bgPr>
+    </p:bg>
+    <p:spTree>
+      <p:nvGrpSpPr>
+        <p:cNvPr id="1" name="Shape 64"/>
+        <p:cNvGrpSpPr/>
+        <p:nvPr/>
+      </p:nvGrpSpPr>
+      <p:grpSpPr>
+        <a:xfrm>
+          <a:off x="0" y="0"/>
+          <a:ext cx="0" cy="0"/>
+          <a:chOff x="0" y="0"/>
+          <a:chExt cx="0" cy="0"/>
+        </a:xfrm>
+      </p:grpSpPr>
+      <p:sp>
+        <p:nvSpPr>
+          <p:cNvPr id="65" name="Google Shape;65;p14"/>
+          <p:cNvSpPr txBox="1">
+            <a:spLocks noGrp="1"/>
+          </p:cNvSpPr>
+          <p:nvPr>
+            <p:ph type="title"/>
+          </p:nvPr>
+        </p:nvSpPr>
+        <p:spPr>
+          <a:xfrm>
+            <a:off x="104976" y="122027"/>
+            <a:ext cx="11030400" cy="763600"/>
+          </a:xfrm>
+          <a:prstGeom prst="rect">
+            <a:avLst/>
+          </a:prstGeom>
+        </p:spPr>
+        <p:txBody>
+          <a:bodyPr spcFirstLastPara="1" wrap="square" lIns="121900" tIns="121900" rIns="121900" bIns="121900" anchor="t" anchorCtr="0">
+            <a:noAutofit/>
+          </a:bodyPr>
+          <a:lstStyle/>
+          <a:p>
+            <a:r>
+              <a:rPr lang="en-US" sz="4000" dirty="0"/>
+              <a:t>Simulation Results</a:t>
+            </a:r>
+            <a:endParaRPr sz="4000" dirty="0"/>
+          </a:p>
+        </p:txBody>
+      </p:sp>
+      <p:pic>
+        <p:nvPicPr>
+          <p:cNvPr id="3" name="Resim 2" descr="metin, yazı tipi, ekran görüntüsü, diyagram içeren bir resim&#10;&#10;Açıklama otomatik olarak oluşturuldu">
+            <a:extLst>
+              <a:ext uri="{FF2B5EF4-FFF2-40B4-BE49-F238E27FC236}">
+                <a16:creationId xmlns:a16="http://schemas.microsoft.com/office/drawing/2014/main" id="{A38C43BB-5485-05DE-6E6F-90B3F35E9398}"/>
+              </a:ext>
+            </a:extLst>
+          </p:cNvPr>
+          <p:cNvPicPr>
+            <a:picLocks noChangeAspect="1"/>
+          </p:cNvPicPr>
+          <p:nvPr/>
+        </p:nvPicPr>
+        <p:blipFill>
+          <a:blip r:embed="rId3">
+            <a:extLst>
+              <a:ext uri="{28A0092B-C50C-407E-A947-70E740481C1C}">
+                <a14:useLocalDpi xmlns:a14="http://schemas.microsoft.com/office/drawing/2010/main" val="0"/>
+              </a:ext>
+            </a:extLst>
+          </a:blip>
+          <a:stretch>
+            <a:fillRect/>
+          </a:stretch>
+        </p:blipFill>
+        <p:spPr>
+          <a:xfrm>
+            <a:off x="1276856" y="1021383"/>
+            <a:ext cx="9638287" cy="5465141"/>
+          </a:xfrm>
+          <a:prstGeom prst="rect">
+            <a:avLst/>
+          </a:prstGeom>
+        </p:spPr>
+      </p:pic>
+    </p:spTree>
+    <p:extLst>
+      <p:ext uri="{BB962C8B-B14F-4D97-AF65-F5344CB8AC3E}">
+        <p14:creationId xmlns:p14="http://schemas.microsoft.com/office/powerpoint/2010/main" val="1347047334"/>
+      </p:ext>
+    </p:extLst>
+  </p:cSld>
+  <p:clrMapOvr>
+    <a:masterClrMapping/>
+  </p:clrMapOvr>
+</p:sld>
+</file>
+
+<file path=ppt/slides/slide15.xml><?xml version="1.0" encoding="utf-8"?>
+<p:sld xmlns:a="http://schemas.openxmlformats.org/drawingml/2006/main" xmlns:r="http://schemas.openxmlformats.org/officeDocument/2006/relationships" xmlns:p="http://schemas.openxmlformats.org/presentationml/2006/main">
+  <p:cSld>
+    <p:bg>
+      <p:bgPr>
+        <a:solidFill>
+          <a:schemeClr val="tx2">
+            <a:lumMod val="25000"/>
+          </a:schemeClr>
+        </a:solidFill>
+        <a:effectLst/>
+      </p:bgPr>
+    </p:bg>
+    <p:spTree>
+      <p:nvGrpSpPr>
+        <p:cNvPr id="1" name="Shape 64"/>
+        <p:cNvGrpSpPr/>
+        <p:nvPr/>
+      </p:nvGrpSpPr>
+      <p:grpSpPr>
+        <a:xfrm>
+          <a:off x="0" y="0"/>
+          <a:ext cx="0" cy="0"/>
+          <a:chOff x="0" y="0"/>
+          <a:chExt cx="0" cy="0"/>
+        </a:xfrm>
+      </p:grpSpPr>
+      <p:sp>
+        <p:nvSpPr>
+          <p:cNvPr id="65" name="Google Shape;65;p14"/>
+          <p:cNvSpPr txBox="1">
+            <a:spLocks noGrp="1"/>
+          </p:cNvSpPr>
+          <p:nvPr>
+            <p:ph type="title"/>
+          </p:nvPr>
+        </p:nvSpPr>
+        <p:spPr>
+          <a:xfrm>
+            <a:off x="104976" y="122027"/>
+            <a:ext cx="11030400" cy="763600"/>
+          </a:xfrm>
+          <a:prstGeom prst="rect">
+            <a:avLst/>
+          </a:prstGeom>
+        </p:spPr>
+        <p:txBody>
+          <a:bodyPr spcFirstLastPara="1" wrap="square" lIns="121900" tIns="121900" rIns="121900" bIns="121900" anchor="t" anchorCtr="0">
+            <a:noAutofit/>
+          </a:bodyPr>
+          <a:lstStyle/>
+          <a:p>
+            <a:r>
+              <a:rPr lang="en-US" sz="4000" dirty="0"/>
+              <a:t>Simulation Results</a:t>
+            </a:r>
+            <a:endParaRPr sz="4000" dirty="0"/>
+          </a:p>
+        </p:txBody>
+      </p:sp>
+      <p:pic>
+        <p:nvPicPr>
+          <p:cNvPr id="4" name="Resim 3" descr="çizgi, öykü gelişim çizgisi; kumpas; grafiğini çıkarma, diyagram, paralel içeren bir resim&#10;&#10;Açıklama otomatik olarak oluşturuldu">
+            <a:extLst>
+              <a:ext uri="{FF2B5EF4-FFF2-40B4-BE49-F238E27FC236}">
+                <a16:creationId xmlns:a16="http://schemas.microsoft.com/office/drawing/2014/main" id="{0724385A-F3D5-5D57-ED18-78180B6A29EE}"/>
+              </a:ext>
+            </a:extLst>
+          </p:cNvPr>
+          <p:cNvPicPr>
+            <a:picLocks noChangeAspect="1"/>
+          </p:cNvPicPr>
+          <p:nvPr/>
+        </p:nvPicPr>
+        <p:blipFill>
+          <a:blip r:embed="rId3">
+            <a:extLst>
+              <a:ext uri="{28A0092B-C50C-407E-A947-70E740481C1C}">
+                <a14:useLocalDpi xmlns:a14="http://schemas.microsoft.com/office/drawing/2010/main" val="0"/>
+              </a:ext>
+            </a:extLst>
+          </a:blip>
+          <a:stretch>
+            <a:fillRect/>
+          </a:stretch>
+        </p:blipFill>
+        <p:spPr>
+          <a:xfrm>
+            <a:off x="1159939" y="885627"/>
+            <a:ext cx="9872121" cy="5673242"/>
+          </a:xfrm>
+          <a:prstGeom prst="rect">
+            <a:avLst/>
+          </a:prstGeom>
+        </p:spPr>
+      </p:pic>
+    </p:spTree>
+    <p:extLst>
+      <p:ext uri="{BB962C8B-B14F-4D97-AF65-F5344CB8AC3E}">
+        <p14:creationId xmlns:p14="http://schemas.microsoft.com/office/powerpoint/2010/main" val="2116105901"/>
+      </p:ext>
+    </p:extLst>
+  </p:cSld>
+  <p:clrMapOvr>
+    <a:masterClrMapping/>
+  </p:clrMapOvr>
+</p:sld>
+</file>
+
+<file path=ppt/slides/slide16.xml><?xml version="1.0" encoding="utf-8"?>
+<p:sld xmlns:a="http://schemas.openxmlformats.org/drawingml/2006/main" xmlns:r="http://schemas.openxmlformats.org/officeDocument/2006/relationships" xmlns:p="http://schemas.openxmlformats.org/presentationml/2006/main">
+  <p:cSld>
+    <p:bg>
+      <p:bgPr>
+        <a:solidFill>
+          <a:schemeClr val="tx2">
+            <a:lumMod val="25000"/>
+          </a:schemeClr>
+        </a:solidFill>
+        <a:effectLst/>
+      </p:bgPr>
+    </p:bg>
+    <p:spTree>
+      <p:nvGrpSpPr>
+        <p:cNvPr id="1" name="Shape 64"/>
+        <p:cNvGrpSpPr/>
+        <p:nvPr/>
+      </p:nvGrpSpPr>
+      <p:grpSpPr>
+        <a:xfrm>
+          <a:off x="0" y="0"/>
+          <a:ext cx="0" cy="0"/>
+          <a:chOff x="0" y="0"/>
+          <a:chExt cx="0" cy="0"/>
+        </a:xfrm>
+      </p:grpSpPr>
+      <p:sp>
+        <p:nvSpPr>
+          <p:cNvPr id="65" name="Google Shape;65;p14"/>
+          <p:cNvSpPr txBox="1">
+            <a:spLocks noGrp="1"/>
+          </p:cNvSpPr>
+          <p:nvPr>
+            <p:ph type="title"/>
+          </p:nvPr>
+        </p:nvSpPr>
+        <p:spPr>
+          <a:xfrm>
+            <a:off x="104976" y="122027"/>
+            <a:ext cx="11030400" cy="763600"/>
+          </a:xfrm>
+          <a:prstGeom prst="rect">
+            <a:avLst/>
+          </a:prstGeom>
+        </p:spPr>
+        <p:txBody>
+          <a:bodyPr spcFirstLastPara="1" wrap="square" lIns="121900" tIns="121900" rIns="121900" bIns="121900" anchor="t" anchorCtr="0">
+            <a:noAutofit/>
+          </a:bodyPr>
+          <a:lstStyle/>
+          <a:p>
+            <a:r>
+              <a:rPr lang="en-US" sz="4000" dirty="0"/>
+              <a:t>Simulation Results</a:t>
+            </a:r>
+            <a:endParaRPr sz="4000" dirty="0"/>
+          </a:p>
+        </p:txBody>
+      </p:sp>
+      <p:pic>
+        <p:nvPicPr>
+          <p:cNvPr id="4" name="Resim 3">
+            <a:extLst>
+              <a:ext uri="{FF2B5EF4-FFF2-40B4-BE49-F238E27FC236}">
+                <a16:creationId xmlns:a16="http://schemas.microsoft.com/office/drawing/2014/main" id="{6F22147F-D7A6-8F90-620C-EC1DB9A82849}"/>
+              </a:ext>
+            </a:extLst>
+          </p:cNvPr>
+          <p:cNvPicPr>
+            <a:picLocks noChangeAspect="1"/>
+          </p:cNvPicPr>
+          <p:nvPr/>
+        </p:nvPicPr>
+        <p:blipFill>
+          <a:blip r:embed="rId3">
+            <a:extLst>
+              <a:ext uri="{28A0092B-C50C-407E-A947-70E740481C1C}">
+                <a14:useLocalDpi xmlns:a14="http://schemas.microsoft.com/office/drawing/2010/main" val="0"/>
+              </a:ext>
+            </a:extLst>
+          </a:blip>
+          <a:srcRect/>
+          <a:stretch/>
+        </p:blipFill>
+        <p:spPr>
+          <a:xfrm>
+            <a:off x="1156258" y="885627"/>
+            <a:ext cx="9879483" cy="5524757"/>
+          </a:xfrm>
+          <a:prstGeom prst="rect">
+            <a:avLst/>
+          </a:prstGeom>
+        </p:spPr>
+      </p:pic>
+    </p:spTree>
+    <p:extLst>
+      <p:ext uri="{BB962C8B-B14F-4D97-AF65-F5344CB8AC3E}">
+        <p14:creationId xmlns:p14="http://schemas.microsoft.com/office/powerpoint/2010/main" val="3458654377"/>
+      </p:ext>
+    </p:extLst>
+  </p:cSld>
+  <p:clrMapOvr>
+    <a:masterClrMapping/>
+  </p:clrMapOvr>
+</p:sld>
+</file>
+
+<file path=ppt/slides/slide17.xml><?xml version="1.0" encoding="utf-8"?>
+<p:sld xmlns:a="http://schemas.openxmlformats.org/drawingml/2006/main" xmlns:r="http://schemas.openxmlformats.org/officeDocument/2006/relationships" xmlns:p="http://schemas.openxmlformats.org/presentationml/2006/main">
+  <p:cSld>
+    <p:bg>
+      <p:bgPr>
+        <a:solidFill>
+          <a:schemeClr val="tx2">
+            <a:lumMod val="25000"/>
+          </a:schemeClr>
+        </a:solidFill>
+        <a:effectLst/>
+      </p:bgPr>
+    </p:bg>
+    <p:spTree>
+      <p:nvGrpSpPr>
+        <p:cNvPr id="1" name="Shape 64"/>
+        <p:cNvGrpSpPr/>
+        <p:nvPr/>
+      </p:nvGrpSpPr>
+      <p:grpSpPr>
+        <a:xfrm>
+          <a:off x="0" y="0"/>
+          <a:ext cx="0" cy="0"/>
+          <a:chOff x="0" y="0"/>
+          <a:chExt cx="0" cy="0"/>
+        </a:xfrm>
+      </p:grpSpPr>
+      <p:sp>
+        <p:nvSpPr>
+          <p:cNvPr id="65" name="Google Shape;65;p14"/>
+          <p:cNvSpPr txBox="1">
+            <a:spLocks noGrp="1"/>
+          </p:cNvSpPr>
+          <p:nvPr>
+            <p:ph type="title"/>
+          </p:nvPr>
+        </p:nvSpPr>
+        <p:spPr>
+          <a:xfrm>
+            <a:off x="104976" y="122027"/>
+            <a:ext cx="11030400" cy="763600"/>
+          </a:xfrm>
+          <a:prstGeom prst="rect">
+            <a:avLst/>
+          </a:prstGeom>
+        </p:spPr>
+        <p:txBody>
+          <a:bodyPr spcFirstLastPara="1" wrap="square" lIns="121900" tIns="121900" rIns="121900" bIns="121900" anchor="t" anchorCtr="0">
+            <a:noAutofit/>
+          </a:bodyPr>
+          <a:lstStyle/>
+          <a:p>
+            <a:r>
+              <a:rPr lang="en-US" sz="4000" dirty="0"/>
+              <a:t>Simulation Results</a:t>
+            </a:r>
+            <a:endParaRPr sz="4000" dirty="0"/>
+          </a:p>
+        </p:txBody>
+      </p:sp>
+      <p:pic>
+        <p:nvPicPr>
+          <p:cNvPr id="4" name="Resim 3">
+            <a:extLst>
+              <a:ext uri="{FF2B5EF4-FFF2-40B4-BE49-F238E27FC236}">
+                <a16:creationId xmlns:a16="http://schemas.microsoft.com/office/drawing/2014/main" id="{B40D5574-B72F-CE62-64AE-3E9B97E51892}"/>
+              </a:ext>
+            </a:extLst>
+          </p:cNvPr>
+          <p:cNvPicPr>
+            <a:picLocks noChangeAspect="1"/>
+          </p:cNvPicPr>
+          <p:nvPr/>
+        </p:nvPicPr>
+        <p:blipFill>
+          <a:blip r:embed="rId3">
+            <a:extLst>
+              <a:ext uri="{28A0092B-C50C-407E-A947-70E740481C1C}">
+                <a14:useLocalDpi xmlns:a14="http://schemas.microsoft.com/office/drawing/2010/main" val="0"/>
+              </a:ext>
+            </a:extLst>
+          </a:blip>
+          <a:srcRect/>
+          <a:stretch/>
+        </p:blipFill>
+        <p:spPr>
+          <a:xfrm>
+            <a:off x="981075" y="1038635"/>
+            <a:ext cx="10229850" cy="5346782"/>
+          </a:xfrm>
+          <a:prstGeom prst="rect">
+            <a:avLst/>
+          </a:prstGeom>
+        </p:spPr>
+      </p:pic>
+    </p:spTree>
+    <p:extLst>
+      <p:ext uri="{BB962C8B-B14F-4D97-AF65-F5344CB8AC3E}">
+        <p14:creationId xmlns:p14="http://schemas.microsoft.com/office/powerpoint/2010/main" val="1068193999"/>
+      </p:ext>
+    </p:extLst>
+  </p:cSld>
+  <p:clrMapOvr>
+    <a:masterClrMapping/>
+  </p:clrMapOvr>
+</p:sld>
+</file>
+
+<file path=ppt/slides/slide18.xml><?xml version="1.0" encoding="utf-8"?>
+<p:sld xmlns:a="http://schemas.openxmlformats.org/drawingml/2006/main" xmlns:r="http://schemas.openxmlformats.org/officeDocument/2006/relationships" xmlns:p="http://schemas.openxmlformats.org/presentationml/2006/main">
+  <p:cSld>
+    <p:bg>
+      <p:bgPr>
+        <a:solidFill>
+          <a:schemeClr val="tx2">
+            <a:lumMod val="25000"/>
+          </a:schemeClr>
+        </a:solidFill>
+        <a:effectLst/>
+      </p:bgPr>
+    </p:bg>
+    <p:spTree>
+      <p:nvGrpSpPr>
+        <p:cNvPr id="1" name="Shape 64"/>
+        <p:cNvGrpSpPr/>
+        <p:nvPr/>
+      </p:nvGrpSpPr>
+      <p:grpSpPr>
+        <a:xfrm>
+          <a:off x="0" y="0"/>
+          <a:ext cx="0" cy="0"/>
+          <a:chOff x="0" y="0"/>
+          <a:chExt cx="0" cy="0"/>
+        </a:xfrm>
+      </p:grpSpPr>
+      <p:sp>
+        <p:nvSpPr>
+          <p:cNvPr id="65" name="Google Shape;65;p14"/>
+          <p:cNvSpPr txBox="1">
+            <a:spLocks noGrp="1"/>
+          </p:cNvSpPr>
+          <p:nvPr>
+            <p:ph type="title"/>
+          </p:nvPr>
+        </p:nvSpPr>
+        <p:spPr>
+          <a:xfrm>
+            <a:off x="104976" y="122027"/>
+            <a:ext cx="11030400" cy="763600"/>
+          </a:xfrm>
+          <a:prstGeom prst="rect">
+            <a:avLst/>
+          </a:prstGeom>
+        </p:spPr>
+        <p:txBody>
+          <a:bodyPr spcFirstLastPara="1" wrap="square" lIns="121900" tIns="121900" rIns="121900" bIns="121900" anchor="t" anchorCtr="0">
+            <a:noAutofit/>
+          </a:bodyPr>
+          <a:lstStyle/>
+          <a:p>
+            <a:r>
+              <a:rPr lang="en-US" sz="4000" dirty="0"/>
+              <a:t>Simulation Results</a:t>
+            </a:r>
+            <a:endParaRPr sz="4000" dirty="0"/>
+          </a:p>
+        </p:txBody>
+      </p:sp>
+      <p:pic>
+        <p:nvPicPr>
+          <p:cNvPr id="4" name="Resim 3" descr="çizgi, öykü gelişim çizgisi; kumpas; grafiğini çıkarma, ekran görüntüsü, eğim, bayır içeren bir resim&#10;&#10;Açıklama otomatik olarak oluşturuldu">
+            <a:extLst>
+              <a:ext uri="{FF2B5EF4-FFF2-40B4-BE49-F238E27FC236}">
+                <a16:creationId xmlns:a16="http://schemas.microsoft.com/office/drawing/2014/main" id="{895D2303-0FAA-A08E-9534-30A8C742AAE4}"/>
+              </a:ext>
+            </a:extLst>
+          </p:cNvPr>
+          <p:cNvPicPr>
+            <a:picLocks noChangeAspect="1"/>
+          </p:cNvPicPr>
+          <p:nvPr/>
+        </p:nvPicPr>
+        <p:blipFill>
+          <a:blip r:embed="rId3">
+            <a:extLst>
+              <a:ext uri="{28A0092B-C50C-407E-A947-70E740481C1C}">
+                <a14:useLocalDpi xmlns:a14="http://schemas.microsoft.com/office/drawing/2010/main" val="0"/>
+              </a:ext>
+            </a:extLst>
+          </a:blip>
+          <a:stretch>
+            <a:fillRect/>
+          </a:stretch>
+        </p:blipFill>
+        <p:spPr>
+          <a:xfrm>
+            <a:off x="957475" y="885627"/>
+            <a:ext cx="10277049" cy="5545570"/>
+          </a:xfrm>
+          <a:prstGeom prst="rect">
+            <a:avLst/>
+          </a:prstGeom>
+        </p:spPr>
+      </p:pic>
+    </p:spTree>
+    <p:extLst>
+      <p:ext uri="{BB962C8B-B14F-4D97-AF65-F5344CB8AC3E}">
+        <p14:creationId xmlns:p14="http://schemas.microsoft.com/office/powerpoint/2010/main" val="2596693679"/>
+      </p:ext>
+    </p:extLst>
+  </p:cSld>
+  <p:clrMapOvr>
+    <a:masterClrMapping/>
+  </p:clrMapOvr>
+</p:sld>
+</file>
+
+<file path=ppt/slides/slide19.xml><?xml version="1.0" encoding="utf-8"?>
+<p:sld xmlns:a="http://schemas.openxmlformats.org/drawingml/2006/main" xmlns:r="http://schemas.openxmlformats.org/officeDocument/2006/relationships" xmlns:p="http://schemas.openxmlformats.org/presentationml/2006/main">
+  <p:cSld>
+    <p:bg>
+      <p:bgPr>
+        <a:solidFill>
+          <a:schemeClr val="tx2">
+            <a:lumMod val="25000"/>
+          </a:schemeClr>
+        </a:solidFill>
+        <a:effectLst/>
+      </p:bgPr>
+    </p:bg>
+    <p:spTree>
+      <p:nvGrpSpPr>
+        <p:cNvPr id="1" name="Shape 64"/>
+        <p:cNvGrpSpPr/>
+        <p:nvPr/>
+      </p:nvGrpSpPr>
+      <p:grpSpPr>
+        <a:xfrm>
+          <a:off x="0" y="0"/>
+          <a:ext cx="0" cy="0"/>
+          <a:chOff x="0" y="0"/>
+          <a:chExt cx="0" cy="0"/>
+        </a:xfrm>
+      </p:grpSpPr>
+      <p:sp>
+        <p:nvSpPr>
+          <p:cNvPr id="65" name="Google Shape;65;p14"/>
+          <p:cNvSpPr txBox="1">
+            <a:spLocks noGrp="1"/>
+          </p:cNvSpPr>
+          <p:nvPr>
+            <p:ph type="title"/>
+          </p:nvPr>
+        </p:nvSpPr>
+        <p:spPr>
+          <a:xfrm>
+            <a:off x="104976" y="122027"/>
+            <a:ext cx="11030400" cy="763600"/>
+          </a:xfrm>
+          <a:prstGeom prst="rect">
+            <a:avLst/>
+          </a:prstGeom>
+        </p:spPr>
+        <p:txBody>
+          <a:bodyPr spcFirstLastPara="1" wrap="square" lIns="121900" tIns="121900" rIns="121900" bIns="121900" anchor="t" anchorCtr="0">
+            <a:noAutofit/>
+          </a:bodyPr>
+          <a:lstStyle/>
+          <a:p>
+            <a:r>
+              <a:rPr lang="en-US" sz="4000" dirty="0"/>
+              <a:t>Component Selection</a:t>
+            </a:r>
+            <a:endParaRPr sz="4000" dirty="0"/>
+          </a:p>
+        </p:txBody>
+      </p:sp>
+      <p:sp>
+        <p:nvSpPr>
+          <p:cNvPr id="2" name="Metin kutusu 1">
+            <a:extLst>
+              <a:ext uri="{FF2B5EF4-FFF2-40B4-BE49-F238E27FC236}">
+                <a16:creationId xmlns:a16="http://schemas.microsoft.com/office/drawing/2014/main" id="{2D0FE20D-86AE-1991-555A-53B884095FB3}"/>
+              </a:ext>
+            </a:extLst>
+          </p:cNvPr>
+          <p:cNvSpPr txBox="1"/>
+          <p:nvPr/>
+        </p:nvSpPr>
+        <p:spPr>
+          <a:xfrm>
+            <a:off x="714374" y="1131875"/>
+            <a:ext cx="4295776" cy="923330"/>
+          </a:xfrm>
+          <a:prstGeom prst="rect">
+            <a:avLst/>
+          </a:prstGeom>
+          <a:noFill/>
+        </p:spPr>
+        <p:txBody>
+          <a:bodyPr wrap="square" rtlCol="0">
+            <a:spAutoFit/>
+          </a:bodyPr>
+          <a:lstStyle/>
+          <a:p>
+            <a:r>
+              <a:rPr lang="en-US" dirty="0"/>
+              <a:t>MOSFET -&gt; </a:t>
+            </a:r>
+            <a:r>
+              <a:rPr lang="tr-TR" dirty="0"/>
+              <a:t>CSD19502Q5B</a:t>
+            </a:r>
+            <a:endParaRPr lang="en-US" dirty="0"/>
+          </a:p>
+          <a:p>
+            <a:endParaRPr lang="en-US" dirty="0"/>
+          </a:p>
+          <a:p>
+            <a:r>
+              <a:rPr lang="en-US" dirty="0" err="1"/>
+              <a:t>Vds</a:t>
+            </a:r>
+            <a:r>
+              <a:rPr lang="en-US" dirty="0"/>
+              <a:t> = 80V, Ids = 100A, </a:t>
+            </a:r>
+            <a:r>
+              <a:rPr lang="en-US" dirty="0" err="1"/>
+              <a:t>Rds</a:t>
+            </a:r>
+            <a:r>
+              <a:rPr lang="en-US" dirty="0"/>
+              <a:t> = 3.8m</a:t>
+            </a:r>
+            <a:r>
+              <a:rPr lang="el-GR" dirty="0"/>
+              <a:t>Ω</a:t>
+            </a:r>
+            <a:endParaRPr lang="en-US" dirty="0"/>
+          </a:p>
+        </p:txBody>
+      </p:sp>
+      <p:sp>
+        <p:nvSpPr>
+          <p:cNvPr id="3" name="Metin kutusu 2">
+            <a:extLst>
+              <a:ext uri="{FF2B5EF4-FFF2-40B4-BE49-F238E27FC236}">
+                <a16:creationId xmlns:a16="http://schemas.microsoft.com/office/drawing/2014/main" id="{B25F81F7-AC56-5747-1254-B51271EC18FB}"/>
+              </a:ext>
+            </a:extLst>
+          </p:cNvPr>
+          <p:cNvSpPr txBox="1"/>
+          <p:nvPr/>
+        </p:nvSpPr>
+        <p:spPr>
+          <a:xfrm>
+            <a:off x="714374" y="2655875"/>
+            <a:ext cx="4076702" cy="923330"/>
+          </a:xfrm>
+          <a:prstGeom prst="rect">
+            <a:avLst/>
+          </a:prstGeom>
+          <a:noFill/>
+        </p:spPr>
+        <p:txBody>
+          <a:bodyPr wrap="square" rtlCol="0">
+            <a:spAutoFit/>
+          </a:bodyPr>
+          <a:lstStyle/>
+          <a:p>
+            <a:r>
+              <a:rPr lang="en-US" dirty="0"/>
+              <a:t>DIODE -&gt; </a:t>
+            </a:r>
+            <a:r>
+              <a:rPr lang="tr-TR" dirty="0"/>
+              <a:t>SE10DTLJ</a:t>
+            </a:r>
+            <a:endParaRPr lang="en-US" dirty="0"/>
+          </a:p>
+          <a:p>
+            <a:endParaRPr lang="en-US" dirty="0"/>
+          </a:p>
+          <a:p>
+            <a:r>
+              <a:rPr lang="en-US" dirty="0" err="1"/>
+              <a:t>Vrrm</a:t>
+            </a:r>
+            <a:r>
+              <a:rPr lang="en-US" dirty="0"/>
+              <a:t> = 600V, If = </a:t>
+            </a:r>
+            <a:r>
+              <a:rPr lang="tr-TR" dirty="0"/>
+              <a:t>10 A</a:t>
+            </a:r>
+            <a:r>
+              <a:rPr lang="en-US" dirty="0"/>
+              <a:t>, </a:t>
+            </a:r>
+            <a:r>
+              <a:rPr lang="en-US" dirty="0" err="1"/>
+              <a:t>Vf</a:t>
+            </a:r>
+            <a:r>
+              <a:rPr lang="en-US" dirty="0"/>
+              <a:t> = </a:t>
+            </a:r>
+            <a:r>
+              <a:rPr lang="tr-TR" dirty="0"/>
+              <a:t>0.83 V</a:t>
+            </a:r>
+            <a:endParaRPr lang="en-US" dirty="0"/>
+          </a:p>
+        </p:txBody>
+      </p:sp>
+      <p:sp>
+        <p:nvSpPr>
+          <p:cNvPr id="4" name="Metin kutusu 3">
+            <a:extLst>
+              <a:ext uri="{FF2B5EF4-FFF2-40B4-BE49-F238E27FC236}">
+                <a16:creationId xmlns:a16="http://schemas.microsoft.com/office/drawing/2014/main" id="{6474DA9B-30A4-79D5-FF18-8D0ECEF5E5E0}"/>
+              </a:ext>
+            </a:extLst>
+          </p:cNvPr>
+          <p:cNvSpPr txBox="1"/>
+          <p:nvPr/>
+        </p:nvSpPr>
+        <p:spPr>
+          <a:xfrm>
+            <a:off x="714374" y="4179875"/>
+            <a:ext cx="4543426" cy="923330"/>
+          </a:xfrm>
+          <a:prstGeom prst="rect">
+            <a:avLst/>
+          </a:prstGeom>
+          <a:noFill/>
+        </p:spPr>
+        <p:txBody>
+          <a:bodyPr wrap="square" rtlCol="0">
+            <a:spAutoFit/>
+          </a:bodyPr>
+          <a:lstStyle/>
+          <a:p>
+            <a:r>
+              <a:rPr lang="en-US" dirty="0"/>
+              <a:t>Output Capacitor</a:t>
+            </a:r>
+          </a:p>
+          <a:p>
+            <a:endParaRPr lang="en-US" dirty="0"/>
+          </a:p>
+          <a:p>
+            <a:r>
+              <a:rPr lang="en-US" dirty="0"/>
+              <a:t>C = 47</a:t>
+            </a:r>
+            <a:r>
+              <a:rPr lang="el-GR" dirty="0"/>
+              <a:t>μ</a:t>
+            </a:r>
+            <a:r>
+              <a:rPr lang="en-US" dirty="0"/>
+              <a:t>F, </a:t>
+            </a:r>
+            <a:r>
+              <a:rPr lang="en-US" dirty="0" err="1"/>
+              <a:t>V_rated</a:t>
+            </a:r>
+            <a:r>
+              <a:rPr lang="en-US" dirty="0"/>
+              <a:t> = 100</a:t>
+            </a:r>
+            <a:r>
+              <a:rPr lang="tr-TR" dirty="0"/>
+              <a:t> </a:t>
+            </a:r>
+            <a:r>
+              <a:rPr lang="en-US" dirty="0"/>
+              <a:t>V, ESR = 330m</a:t>
+            </a:r>
+            <a:r>
+              <a:rPr lang="el-GR" dirty="0"/>
+              <a:t>Ω</a:t>
+            </a:r>
+            <a:endParaRPr lang="en-US" dirty="0"/>
+          </a:p>
+        </p:txBody>
+      </p:sp>
+    </p:spTree>
+    <p:extLst>
+      <p:ext uri="{BB962C8B-B14F-4D97-AF65-F5344CB8AC3E}">
+        <p14:creationId xmlns:p14="http://schemas.microsoft.com/office/powerpoint/2010/main" val="3614394459"/>
+      </p:ext>
+    </p:extLst>
+  </p:cSld>
+  <p:clrMapOvr>
+    <a:masterClrMapping/>
+  </p:clrMapOvr>
+</p:sld>
+</file>
+
 <file path=ppt/slides/slide2.xml><?xml version="1.0" encoding="utf-8"?>
 <p:sld xmlns:a="http://schemas.openxmlformats.org/drawingml/2006/main" xmlns:r="http://schemas.openxmlformats.org/officeDocument/2006/relationships" xmlns:p="http://schemas.openxmlformats.org/presentationml/2006/main">
   <p:cSld>
@@ -7071,51 +9683,77 @@
               <a:buChar char="❏"/>
             </a:pPr>
             <a:r>
-              <a:rPr lang="tr" sz="2800" dirty="0">
-                <a:solidFill>
-                  <a:schemeClr val="tx1"/>
-                </a:solidFill>
-              </a:rPr>
-              <a:t>Simulation Result</a:t>
-            </a:r>
-            <a:endParaRPr sz="2800" dirty="0">
-              <a:solidFill>
-                <a:schemeClr val="tx1"/>
-              </a:solidFill>
-            </a:endParaRPr>
-          </a:p>
-          <a:p>
-            <a:pPr indent="-465655">
-              <a:buSzPts val="1900"/>
-              <a:buChar char="❏"/>
-            </a:pPr>
-            <a:r>
-              <a:rPr lang="tr" sz="2800" dirty="0">
-                <a:solidFill>
-                  <a:schemeClr val="tx1"/>
-                </a:solidFill>
-              </a:rPr>
-              <a:t>Component Selection</a:t>
-            </a:r>
-            <a:endParaRPr sz="2800" dirty="0">
-              <a:solidFill>
-                <a:schemeClr val="tx1"/>
-              </a:solidFill>
-            </a:endParaRPr>
-          </a:p>
-          <a:p>
-            <a:pPr indent="-465655">
-              <a:buSzPts val="1900"/>
-              <a:buChar char="❏"/>
-            </a:pPr>
-            <a:r>
               <a:rPr lang="en-US" sz="2800" dirty="0">
                 <a:solidFill>
                   <a:schemeClr val="tx1"/>
                 </a:solidFill>
               </a:rPr>
-              <a:t>Thermal Calculation</a:t>
+              <a:t>Experimental Results</a:t>
             </a:r>
+          </a:p>
+          <a:p>
+            <a:pPr indent="-465655">
+              <a:buSzPts val="1900"/>
+              <a:buFont typeface="Average"/>
+              <a:buChar char="❏"/>
+            </a:pPr>
+            <a:r>
+              <a:rPr lang="tr-TR" sz="2800" dirty="0" err="1">
+                <a:solidFill>
+                  <a:schemeClr val="tx1"/>
+                </a:solidFill>
+              </a:rPr>
+              <a:t>Simulation</a:t>
+            </a:r>
+            <a:r>
+              <a:rPr lang="tr-TR" sz="2800" dirty="0">
+                <a:solidFill>
+                  <a:schemeClr val="tx1"/>
+                </a:solidFill>
+              </a:rPr>
+              <a:t> </a:t>
+            </a:r>
+            <a:r>
+              <a:rPr lang="tr-TR" sz="2800" dirty="0" err="1">
+                <a:solidFill>
+                  <a:schemeClr val="tx1"/>
+                </a:solidFill>
+              </a:rPr>
+              <a:t>Result</a:t>
+            </a:r>
+            <a:endParaRPr lang="en-US" sz="2800" dirty="0">
+              <a:solidFill>
+                <a:schemeClr val="tx1"/>
+              </a:solidFill>
+            </a:endParaRPr>
+          </a:p>
+          <a:p>
+            <a:pPr indent="-465655">
+              <a:buSzPts val="1900"/>
+              <a:buFont typeface="Average"/>
+              <a:buChar char="❏"/>
+            </a:pPr>
+            <a:r>
+              <a:rPr lang="tr-TR" sz="2800" dirty="0">
+                <a:solidFill>
+                  <a:schemeClr val="tx1"/>
+                </a:solidFill>
+              </a:rPr>
+              <a:t>Component </a:t>
+            </a:r>
+            <a:r>
+              <a:rPr lang="tr-TR" sz="2800" dirty="0" err="1">
+                <a:solidFill>
+                  <a:schemeClr val="tx1"/>
+                </a:solidFill>
+              </a:rPr>
+              <a:t>Selection</a:t>
+            </a:r>
+            <a:endParaRPr lang="en-US" sz="2800" dirty="0">
+              <a:solidFill>
+                <a:schemeClr val="tx1"/>
+              </a:solidFill>
+            </a:endParaRPr>
           </a:p>
           <a:p>
             <a:pPr indent="-465655">
@@ -7139,6 +9777,167 @@
         </p:txBody>
       </p:sp>
     </p:spTree>
+  </p:cSld>
+  <p:clrMapOvr>
+    <a:masterClrMapping/>
+  </p:clrMapOvr>
+</p:sld>
+</file>
+
+<file path=ppt/slides/slide20.xml><?xml version="1.0" encoding="utf-8"?>
+<p:sld xmlns:a="http://schemas.openxmlformats.org/drawingml/2006/main" xmlns:r="http://schemas.openxmlformats.org/officeDocument/2006/relationships" xmlns:p="http://schemas.openxmlformats.org/presentationml/2006/main">
+  <p:cSld>
+    <p:bg>
+      <p:bgPr>
+        <a:solidFill>
+          <a:schemeClr val="tx2">
+            <a:lumMod val="25000"/>
+          </a:schemeClr>
+        </a:solidFill>
+        <a:effectLst/>
+      </p:bgPr>
+    </p:bg>
+    <p:spTree>
+      <p:nvGrpSpPr>
+        <p:cNvPr id="1" name="Shape 64"/>
+        <p:cNvGrpSpPr/>
+        <p:nvPr/>
+      </p:nvGrpSpPr>
+      <p:grpSpPr>
+        <a:xfrm>
+          <a:off x="0" y="0"/>
+          <a:ext cx="0" cy="0"/>
+          <a:chOff x="0" y="0"/>
+          <a:chExt cx="0" cy="0"/>
+        </a:xfrm>
+      </p:grpSpPr>
+      <p:sp>
+        <p:nvSpPr>
+          <p:cNvPr id="65" name="Google Shape;65;p14"/>
+          <p:cNvSpPr txBox="1">
+            <a:spLocks noGrp="1"/>
+          </p:cNvSpPr>
+          <p:nvPr>
+            <p:ph type="title"/>
+          </p:nvPr>
+        </p:nvSpPr>
+        <p:spPr>
+          <a:xfrm>
+            <a:off x="104976" y="122027"/>
+            <a:ext cx="11030400" cy="763600"/>
+          </a:xfrm>
+          <a:prstGeom prst="rect">
+            <a:avLst/>
+          </a:prstGeom>
+        </p:spPr>
+        <p:txBody>
+          <a:bodyPr spcFirstLastPara="1" wrap="square" lIns="121900" tIns="121900" rIns="121900" bIns="121900" anchor="t" anchorCtr="0">
+            <a:noAutofit/>
+          </a:bodyPr>
+          <a:lstStyle/>
+          <a:p>
+            <a:r>
+              <a:rPr lang="en-US" sz="4000" dirty="0"/>
+              <a:t>Conclusion</a:t>
+            </a:r>
+            <a:endParaRPr sz="4000" dirty="0"/>
+          </a:p>
+        </p:txBody>
+      </p:sp>
+      <p:sp>
+        <p:nvSpPr>
+          <p:cNvPr id="5" name="Metin kutusu 4">
+            <a:extLst>
+              <a:ext uri="{FF2B5EF4-FFF2-40B4-BE49-F238E27FC236}">
+                <a16:creationId xmlns:a16="http://schemas.microsoft.com/office/drawing/2014/main" id="{98022FB0-D0DB-0DF8-3668-17E8A3881111}"/>
+              </a:ext>
+            </a:extLst>
+          </p:cNvPr>
+          <p:cNvSpPr txBox="1"/>
+          <p:nvPr/>
+        </p:nvSpPr>
+        <p:spPr>
+          <a:xfrm>
+            <a:off x="333375" y="1657350"/>
+            <a:ext cx="7526419" cy="2031325"/>
+          </a:xfrm>
+          <a:prstGeom prst="rect">
+            <a:avLst/>
+          </a:prstGeom>
+          <a:noFill/>
+        </p:spPr>
+        <p:txBody>
+          <a:bodyPr wrap="none" rtlCol="0">
+            <a:spAutoFit/>
+          </a:bodyPr>
+          <a:lstStyle/>
+          <a:p>
+            <a:pPr marL="285750" indent="-285750">
+              <a:buFontTx/>
+              <a:buChar char="-"/>
+            </a:pPr>
+            <a:r>
+              <a:rPr lang="en-US" dirty="0"/>
+              <a:t>First implementations on perforated prototype board</a:t>
+            </a:r>
+          </a:p>
+          <a:p>
+            <a:pPr marL="285750" indent="-285750">
+              <a:buFontTx/>
+              <a:buChar char="-"/>
+            </a:pPr>
+            <a:endParaRPr lang="en-US" dirty="0"/>
+          </a:p>
+          <a:p>
+            <a:pPr marL="285750" indent="-285750">
+              <a:buFontTx/>
+              <a:buChar char="-"/>
+            </a:pPr>
+            <a:endParaRPr lang="en-US" dirty="0"/>
+          </a:p>
+          <a:p>
+            <a:pPr marL="285750" indent="-285750">
+              <a:buFontTx/>
+              <a:buChar char="-"/>
+            </a:pPr>
+            <a:r>
+              <a:rPr lang="en-US" dirty="0"/>
+              <a:t>Continue improving transformer design to reduce leakage inductance</a:t>
+            </a:r>
+          </a:p>
+          <a:p>
+            <a:pPr marL="285750" indent="-285750">
+              <a:buFontTx/>
+              <a:buChar char="-"/>
+            </a:pPr>
+            <a:endParaRPr lang="en-US" dirty="0"/>
+          </a:p>
+          <a:p>
+            <a:pPr marL="285750" indent="-285750">
+              <a:buFontTx/>
+              <a:buChar char="-"/>
+            </a:pPr>
+            <a:endParaRPr lang="en-US" dirty="0"/>
+          </a:p>
+          <a:p>
+            <a:pPr marL="285750" indent="-285750">
+              <a:buFontTx/>
+              <a:buChar char="-"/>
+            </a:pPr>
+            <a:r>
+              <a:rPr lang="en-US" dirty="0"/>
+              <a:t>Test and calibrate feedback and compensation of the controller IC</a:t>
+            </a:r>
+            <a:endParaRPr lang="tr-TR" dirty="0"/>
+          </a:p>
+        </p:txBody>
+      </p:sp>
+    </p:spTree>
+    <p:extLst>
+      <p:ext uri="{BB962C8B-B14F-4D97-AF65-F5344CB8AC3E}">
+        <p14:creationId xmlns:p14="http://schemas.microsoft.com/office/powerpoint/2010/main" val="2757007717"/>
+      </p:ext>
+    </p:extLst>
   </p:cSld>
   <p:clrMapOvr>
     <a:masterClrMapping/>
